--- a/docs/diagrams/LogicComponentClassDiagram.pptx
+++ b/docs/diagrams/LogicComponentClassDiagram.pptx
@@ -109,7 +109,7 @@
   </p:defaultTextStyle>
   <p:extLst>
     <p:ext uri="{EFAFB233-063F-42B5-8137-9DF3F51BA10A}">
-      <p15:sldGuideLst xmlns:p15="http://schemas.microsoft.com/office/powerpoint/2012/main">
+      <p15:sldGuideLst xmlns:p15="http://schemas.microsoft.com/office/powerpoint/2012/main" xmlns="">
         <p15:guide id="1" orient="horz" pos="1488">
           <p15:clr>
             <a:srgbClr val="A4A3A4"/>
@@ -212,7 +212,7 @@
           <a:p>
             <a:fld id="{F5CC4B3F-88C1-4FFA-B1B6-F41C21DC6924}" type="datetimeFigureOut">
               <a:rPr lang="en-US" smtClean="0"/>
-              <a:t>7/20/17</a:t>
+              <a:t>3/5/2018</a:t>
             </a:fld>
             <a:endParaRPr lang="en-US"/>
           </a:p>
@@ -658,7 +658,7 @@
           <a:p>
             <a:fld id="{78C97017-6FC3-485B-9764-EAC9E56C1D49}" type="datetimeFigureOut">
               <a:rPr lang="en-US" smtClean="0"/>
-              <a:t>7/20/17</a:t>
+              <a:t>3/5/2018</a:t>
             </a:fld>
             <a:endParaRPr lang="en-US"/>
           </a:p>
@@ -826,7 +826,7 @@
           <a:p>
             <a:fld id="{78C97017-6FC3-485B-9764-EAC9E56C1D49}" type="datetimeFigureOut">
               <a:rPr lang="en-US" smtClean="0"/>
-              <a:t>7/20/17</a:t>
+              <a:t>3/5/2018</a:t>
             </a:fld>
             <a:endParaRPr lang="en-US"/>
           </a:p>
@@ -1004,7 +1004,7 @@
           <a:p>
             <a:fld id="{78C97017-6FC3-485B-9764-EAC9E56C1D49}" type="datetimeFigureOut">
               <a:rPr lang="en-US" smtClean="0"/>
-              <a:t>7/20/17</a:t>
+              <a:t>3/5/2018</a:t>
             </a:fld>
             <a:endParaRPr lang="en-US"/>
           </a:p>
@@ -1172,7 +1172,7 @@
           <a:p>
             <a:fld id="{78C97017-6FC3-485B-9764-EAC9E56C1D49}" type="datetimeFigureOut">
               <a:rPr lang="en-US" smtClean="0"/>
-              <a:t>7/20/17</a:t>
+              <a:t>3/5/2018</a:t>
             </a:fld>
             <a:endParaRPr lang="en-US"/>
           </a:p>
@@ -1417,7 +1417,7 @@
           <a:p>
             <a:fld id="{78C97017-6FC3-485B-9764-EAC9E56C1D49}" type="datetimeFigureOut">
               <a:rPr lang="en-US" smtClean="0"/>
-              <a:t>7/20/17</a:t>
+              <a:t>3/5/2018</a:t>
             </a:fld>
             <a:endParaRPr lang="en-US"/>
           </a:p>
@@ -1702,7 +1702,7 @@
           <a:p>
             <a:fld id="{78C97017-6FC3-485B-9764-EAC9E56C1D49}" type="datetimeFigureOut">
               <a:rPr lang="en-US" smtClean="0"/>
-              <a:t>7/20/17</a:t>
+              <a:t>3/5/2018</a:t>
             </a:fld>
             <a:endParaRPr lang="en-US"/>
           </a:p>
@@ -2121,7 +2121,7 @@
           <a:p>
             <a:fld id="{78C97017-6FC3-485B-9764-EAC9E56C1D49}" type="datetimeFigureOut">
               <a:rPr lang="en-US" smtClean="0"/>
-              <a:t>7/20/17</a:t>
+              <a:t>3/5/2018</a:t>
             </a:fld>
             <a:endParaRPr lang="en-US"/>
           </a:p>
@@ -2238,7 +2238,7 @@
           <a:p>
             <a:fld id="{78C97017-6FC3-485B-9764-EAC9E56C1D49}" type="datetimeFigureOut">
               <a:rPr lang="en-US" smtClean="0"/>
-              <a:t>7/20/17</a:t>
+              <a:t>3/5/2018</a:t>
             </a:fld>
             <a:endParaRPr lang="en-US"/>
           </a:p>
@@ -2333,7 +2333,7 @@
           <a:p>
             <a:fld id="{78C97017-6FC3-485B-9764-EAC9E56C1D49}" type="datetimeFigureOut">
               <a:rPr lang="en-US" smtClean="0"/>
-              <a:t>7/20/17</a:t>
+              <a:t>3/5/2018</a:t>
             </a:fld>
             <a:endParaRPr lang="en-US"/>
           </a:p>
@@ -2608,7 +2608,7 @@
           <a:p>
             <a:fld id="{78C97017-6FC3-485B-9764-EAC9E56C1D49}" type="datetimeFigureOut">
               <a:rPr lang="en-US" smtClean="0"/>
-              <a:t>7/20/17</a:t>
+              <a:t>3/5/2018</a:t>
             </a:fld>
             <a:endParaRPr lang="en-US"/>
           </a:p>
@@ -2860,7 +2860,7 @@
           <a:p>
             <a:fld id="{78C97017-6FC3-485B-9764-EAC9E56C1D49}" type="datetimeFigureOut">
               <a:rPr lang="en-US" smtClean="0"/>
-              <a:t>7/20/17</a:t>
+              <a:t>3/5/2018</a:t>
             </a:fld>
             <a:endParaRPr lang="en-US"/>
           </a:p>
@@ -3071,7 +3071,7 @@
           <a:p>
             <a:fld id="{78C97017-6FC3-485B-9764-EAC9E56C1D49}" type="datetimeFigureOut">
               <a:rPr lang="en-US" smtClean="0"/>
-              <a:t>7/20/17</a:t>
+              <a:t>3/5/2018</a:t>
             </a:fld>
             <a:endParaRPr lang="en-US"/>
           </a:p>
@@ -3944,7 +3944,15 @@
                   <a:schemeClr val="bg1"/>
                 </a:solidFill>
               </a:rPr>
-              <a:t>AddressBook</a:t>
+              <a:t>Task</a:t>
+            </a:r>
+            <a:r>
+              <a:rPr lang="en-US" sz="1050" dirty="0" err="1" smtClean="0">
+                <a:solidFill>
+                  <a:schemeClr val="bg1"/>
+                </a:solidFill>
+              </a:rPr>
+              <a:t>Book</a:t>
             </a:r>
             <a:endParaRPr lang="en-US" sz="1050" dirty="0">
               <a:solidFill>
@@ -5517,7 +5525,7 @@
           <p:cNvPr id="97" name="Rectangle 96">
             <a:extLst>
               <a:ext uri="{FF2B5EF4-FFF2-40B4-BE49-F238E27FC236}">
-                <a16:creationId xmlns="" xmlns:a16="http://schemas.microsoft.com/office/drawing/2014/main" id="{AADE6A0C-89AB-467B-8CEA-5FCF36CE0D21}"/>
+                <a16:creationId xmlns:a16="http://schemas.microsoft.com/office/drawing/2014/main" xmlns="" id="{AADE6A0C-89AB-467B-8CEA-5FCF36CE0D21}"/>
               </a:ext>
             </a:extLst>
           </p:cNvPr>

--- a/docs/diagrams/LogicComponentClassDiagram.pptx
+++ b/docs/diagrams/LogicComponentClassDiagram.pptx
@@ -126,10 +126,6 @@
 </p:presentation>
 </file>
 
-<file path=ppt/revisionInfo.xml><?xml version="1.0" encoding="utf-8"?>
-<p1510:revInfo xmlns:a="http://schemas.openxmlformats.org/drawingml/2006/main" xmlns:r="http://schemas.openxmlformats.org/officeDocument/2006/relationships" xmlns:p1510="http://schemas.microsoft.com/office/powerpoint/2015/10/main"/>
-</file>
-
 <file path=ppt/notesMasters/notesMaster1.xml><?xml version="1.0" encoding="utf-8"?>
 <p:notesMaster xmlns:a="http://schemas.openxmlformats.org/drawingml/2006/main" xmlns:r="http://schemas.openxmlformats.org/officeDocument/2006/relationships" xmlns:p="http://schemas.openxmlformats.org/presentationml/2006/main">
   <p:cSld>
@@ -212,7 +208,7 @@
           <a:p>
             <a:fld id="{F5CC4B3F-88C1-4FFA-B1B6-F41C21DC6924}" type="datetimeFigureOut">
               <a:rPr lang="en-US" smtClean="0"/>
-              <a:t>7/20/17</a:t>
+              <a:t>3/13/2018</a:t>
             </a:fld>
             <a:endParaRPr lang="en-US"/>
           </a:p>
@@ -658,7 +654,7 @@
           <a:p>
             <a:fld id="{78C97017-6FC3-485B-9764-EAC9E56C1D49}" type="datetimeFigureOut">
               <a:rPr lang="en-US" smtClean="0"/>
-              <a:t>7/20/17</a:t>
+              <a:t>3/13/2018</a:t>
             </a:fld>
             <a:endParaRPr lang="en-US"/>
           </a:p>
@@ -826,7 +822,7 @@
           <a:p>
             <a:fld id="{78C97017-6FC3-485B-9764-EAC9E56C1D49}" type="datetimeFigureOut">
               <a:rPr lang="en-US" smtClean="0"/>
-              <a:t>7/20/17</a:t>
+              <a:t>3/13/2018</a:t>
             </a:fld>
             <a:endParaRPr lang="en-US"/>
           </a:p>
@@ -1004,7 +1000,7 @@
           <a:p>
             <a:fld id="{78C97017-6FC3-485B-9764-EAC9E56C1D49}" type="datetimeFigureOut">
               <a:rPr lang="en-US" smtClean="0"/>
-              <a:t>7/20/17</a:t>
+              <a:t>3/13/2018</a:t>
             </a:fld>
             <a:endParaRPr lang="en-US"/>
           </a:p>
@@ -1172,7 +1168,7 @@
           <a:p>
             <a:fld id="{78C97017-6FC3-485B-9764-EAC9E56C1D49}" type="datetimeFigureOut">
               <a:rPr lang="en-US" smtClean="0"/>
-              <a:t>7/20/17</a:t>
+              <a:t>3/13/2018</a:t>
             </a:fld>
             <a:endParaRPr lang="en-US"/>
           </a:p>
@@ -1417,7 +1413,7 @@
           <a:p>
             <a:fld id="{78C97017-6FC3-485B-9764-EAC9E56C1D49}" type="datetimeFigureOut">
               <a:rPr lang="en-US" smtClean="0"/>
-              <a:t>7/20/17</a:t>
+              <a:t>3/13/2018</a:t>
             </a:fld>
             <a:endParaRPr lang="en-US"/>
           </a:p>
@@ -1702,7 +1698,7 @@
           <a:p>
             <a:fld id="{78C97017-6FC3-485B-9764-EAC9E56C1D49}" type="datetimeFigureOut">
               <a:rPr lang="en-US" smtClean="0"/>
-              <a:t>7/20/17</a:t>
+              <a:t>3/13/2018</a:t>
             </a:fld>
             <a:endParaRPr lang="en-US"/>
           </a:p>
@@ -2121,7 +2117,7 @@
           <a:p>
             <a:fld id="{78C97017-6FC3-485B-9764-EAC9E56C1D49}" type="datetimeFigureOut">
               <a:rPr lang="en-US" smtClean="0"/>
-              <a:t>7/20/17</a:t>
+              <a:t>3/13/2018</a:t>
             </a:fld>
             <a:endParaRPr lang="en-US"/>
           </a:p>
@@ -2238,7 +2234,7 @@
           <a:p>
             <a:fld id="{78C97017-6FC3-485B-9764-EAC9E56C1D49}" type="datetimeFigureOut">
               <a:rPr lang="en-US" smtClean="0"/>
-              <a:t>7/20/17</a:t>
+              <a:t>3/13/2018</a:t>
             </a:fld>
             <a:endParaRPr lang="en-US"/>
           </a:p>
@@ -2333,7 +2329,7 @@
           <a:p>
             <a:fld id="{78C97017-6FC3-485B-9764-EAC9E56C1D49}" type="datetimeFigureOut">
               <a:rPr lang="en-US" smtClean="0"/>
-              <a:t>7/20/17</a:t>
+              <a:t>3/13/2018</a:t>
             </a:fld>
             <a:endParaRPr lang="en-US"/>
           </a:p>
@@ -2608,7 +2604,7 @@
           <a:p>
             <a:fld id="{78C97017-6FC3-485B-9764-EAC9E56C1D49}" type="datetimeFigureOut">
               <a:rPr lang="en-US" smtClean="0"/>
-              <a:t>7/20/17</a:t>
+              <a:t>3/13/2018</a:t>
             </a:fld>
             <a:endParaRPr lang="en-US"/>
           </a:p>
@@ -2860,7 +2856,7 @@
           <a:p>
             <a:fld id="{78C97017-6FC3-485B-9764-EAC9E56C1D49}" type="datetimeFigureOut">
               <a:rPr lang="en-US" smtClean="0"/>
-              <a:t>7/20/17</a:t>
+              <a:t>3/13/2018</a:t>
             </a:fld>
             <a:endParaRPr lang="en-US"/>
           </a:p>
@@ -3071,7 +3067,7 @@
           <a:p>
             <a:fld id="{78C97017-6FC3-485B-9764-EAC9E56C1D49}" type="datetimeFigureOut">
               <a:rPr lang="en-US" smtClean="0"/>
-              <a:t>7/20/17</a:t>
+              <a:t>3/13/2018</a:t>
             </a:fld>
             <a:endParaRPr lang="en-US"/>
           </a:p>
@@ -3607,7 +3603,7 @@
           <a:p>
             <a:pPr algn="ctr"/>
             <a:r>
-              <a:rPr lang="en-US" sz="1050" b="1" dirty="0" err="1" smtClean="0">
+              <a:rPr lang="en-US" sz="1050" b="1" dirty="0" err="1">
                 <a:solidFill>
                   <a:srgbClr val="0070C0"/>
                 </a:solidFill>
@@ -3939,12 +3935,12 @@
           <a:p>
             <a:pPr algn="ctr"/>
             <a:r>
-              <a:rPr lang="en-US" sz="1050" dirty="0" err="1" smtClean="0">
+              <a:rPr lang="en-US" sz="1050" dirty="0" err="1">
                 <a:solidFill>
                   <a:schemeClr val="bg1"/>
                 </a:solidFill>
               </a:rPr>
-              <a:t>AddressBook</a:t>
+              <a:t>BookShelf</a:t>
             </a:r>
             <a:endParaRPr lang="en-US" sz="1050" dirty="0">
               <a:solidFill>
@@ -5517,7 +5513,7 @@
           <p:cNvPr id="97" name="Rectangle 96">
             <a:extLst>
               <a:ext uri="{FF2B5EF4-FFF2-40B4-BE49-F238E27FC236}">
-                <a16:creationId xmlns="" xmlns:a16="http://schemas.microsoft.com/office/drawing/2014/main" id="{AADE6A0C-89AB-467B-8CEA-5FCF36CE0D21}"/>
+                <a16:creationId xmlns:a16="http://schemas.microsoft.com/office/drawing/2014/main" id="{AADE6A0C-89AB-467B-8CEA-5FCF36CE0D21}"/>
               </a:ext>
             </a:extLst>
           </p:cNvPr>
@@ -5815,7 +5811,7 @@
           <a:p>
             <a:pPr algn="ctr"/>
             <a:r>
-              <a:rPr lang="en-US" sz="1050" b="1" dirty="0" err="1" smtClean="0">
+              <a:rPr lang="en-US" sz="1050" b="1" dirty="0" err="1">
                 <a:solidFill>
                   <a:schemeClr val="bg1"/>
                 </a:solidFill>
@@ -6165,7 +6161,7 @@
           <a:p>
             <a:pPr algn="ctr"/>
             <a:r>
-              <a:rPr lang="en-US" sz="1050" dirty="0" err="1" smtClean="0">
+              <a:rPr lang="en-US" sz="1050" dirty="0" err="1">
                 <a:solidFill>
                   <a:schemeClr val="bg1"/>
                 </a:solidFill>
@@ -6173,7 +6169,7 @@
               <a:t>XYZCommand</a:t>
             </a:r>
             <a:r>
-              <a:rPr lang="en-US" sz="1050" dirty="0" smtClean="0">
+              <a:rPr lang="en-US" sz="1050" dirty="0">
                 <a:solidFill>
                   <a:schemeClr val="bg1"/>
                 </a:solidFill>
@@ -6181,7 +6177,7 @@
               <a:t> = </a:t>
             </a:r>
             <a:r>
-              <a:rPr lang="en-US" sz="1050" dirty="0" err="1" smtClean="0">
+              <a:rPr lang="en-US" sz="1050" dirty="0" err="1">
                 <a:solidFill>
                   <a:schemeClr val="bg1"/>
                 </a:solidFill>
@@ -6189,7 +6185,7 @@
               <a:t>AddCommand</a:t>
             </a:r>
             <a:r>
-              <a:rPr lang="en-US" sz="1050" dirty="0" smtClean="0">
+              <a:rPr lang="en-US" sz="1050" dirty="0">
                 <a:solidFill>
                   <a:schemeClr val="bg1"/>
                 </a:solidFill>
@@ -6197,26 +6193,21 @@
               <a:t>, </a:t>
             </a:r>
             <a:r>
-              <a:rPr lang="en-US" sz="1050" dirty="0" err="1" smtClean="0">
+              <a:rPr lang="en-US" sz="1050" dirty="0" err="1">
                 <a:solidFill>
                   <a:schemeClr val="bg1"/>
                 </a:solidFill>
               </a:rPr>
-              <a:t>FindCommand</a:t>
-            </a:r>
-            <a:r>
-              <a:rPr lang="en-US" sz="1050" dirty="0" smtClean="0">
+              <a:t>ListCommand</a:t>
+            </a:r>
+            <a:r>
+              <a:rPr lang="en-US" sz="1050" dirty="0">
                 <a:solidFill>
                   <a:schemeClr val="bg1"/>
                 </a:solidFill>
               </a:rPr>
               <a:t>, etc.</a:t>
             </a:r>
-            <a:endParaRPr lang="en-US" sz="1050" dirty="0">
-              <a:solidFill>
-                <a:schemeClr val="bg1"/>
-              </a:solidFill>
-            </a:endParaRPr>
           </a:p>
         </p:txBody>
       </p:sp>
@@ -6264,14 +6255,14 @@
           <a:p>
             <a:pPr algn="ctr"/>
             <a:r>
-              <a:rPr lang="en-US" sz="1050" dirty="0" err="1" smtClean="0">
+              <a:rPr lang="en-US" sz="1050" dirty="0" err="1">
                 <a:solidFill>
                   <a:schemeClr val="bg1"/>
                 </a:solidFill>
               </a:rPr>
               <a:t>UndoRedo</a:t>
             </a:r>
-            <a:endParaRPr lang="en-US" sz="1050" dirty="0" smtClean="0">
+            <a:endParaRPr lang="en-US" sz="1050" dirty="0">
               <a:solidFill>
                 <a:schemeClr val="bg1"/>
               </a:solidFill>
@@ -6280,7 +6271,7 @@
           <a:p>
             <a:pPr algn="ctr"/>
             <a:r>
-              <a:rPr lang="en-US" sz="1050" dirty="0" smtClean="0">
+              <a:rPr lang="en-US" sz="1050" dirty="0">
                 <a:solidFill>
                   <a:schemeClr val="bg1"/>
                 </a:solidFill>

--- a/docs/diagrams/LogicComponentClassDiagram.pptx
+++ b/docs/diagrams/LogicComponentClassDiagram.pptx
@@ -126,10 +126,6 @@
 </p:presentation>
 </file>
 
-<file path=ppt/revisionInfo.xml><?xml version="1.0" encoding="utf-8"?>
-<p1510:revInfo xmlns:a="http://schemas.openxmlformats.org/drawingml/2006/main" xmlns:r="http://schemas.openxmlformats.org/officeDocument/2006/relationships" xmlns:p1510="http://schemas.microsoft.com/office/powerpoint/2015/10/main"/>
-</file>
-
 <file path=ppt/notesMasters/notesMaster1.xml><?xml version="1.0" encoding="utf-8"?>
 <p:notesMaster xmlns:a="http://schemas.openxmlformats.org/drawingml/2006/main" xmlns:r="http://schemas.openxmlformats.org/officeDocument/2006/relationships" xmlns:p="http://schemas.openxmlformats.org/presentationml/2006/main">
   <p:cSld>
@@ -212,7 +208,7 @@
           <a:p>
             <a:fld id="{F5CC4B3F-88C1-4FFA-B1B6-F41C21DC6924}" type="datetimeFigureOut">
               <a:rPr lang="en-US" smtClean="0"/>
-              <a:t>7/20/17</a:t>
+              <a:t>3/22/2018</a:t>
             </a:fld>
             <a:endParaRPr lang="en-US"/>
           </a:p>
@@ -658,7 +654,7 @@
           <a:p>
             <a:fld id="{78C97017-6FC3-485B-9764-EAC9E56C1D49}" type="datetimeFigureOut">
               <a:rPr lang="en-US" smtClean="0"/>
-              <a:t>7/20/17</a:t>
+              <a:t>3/22/2018</a:t>
             </a:fld>
             <a:endParaRPr lang="en-US"/>
           </a:p>
@@ -826,7 +822,7 @@
           <a:p>
             <a:fld id="{78C97017-6FC3-485B-9764-EAC9E56C1D49}" type="datetimeFigureOut">
               <a:rPr lang="en-US" smtClean="0"/>
-              <a:t>7/20/17</a:t>
+              <a:t>3/22/2018</a:t>
             </a:fld>
             <a:endParaRPr lang="en-US"/>
           </a:p>
@@ -1004,7 +1000,7 @@
           <a:p>
             <a:fld id="{78C97017-6FC3-485B-9764-EAC9E56C1D49}" type="datetimeFigureOut">
               <a:rPr lang="en-US" smtClean="0"/>
-              <a:t>7/20/17</a:t>
+              <a:t>3/22/2018</a:t>
             </a:fld>
             <a:endParaRPr lang="en-US"/>
           </a:p>
@@ -1172,7 +1168,7 @@
           <a:p>
             <a:fld id="{78C97017-6FC3-485B-9764-EAC9E56C1D49}" type="datetimeFigureOut">
               <a:rPr lang="en-US" smtClean="0"/>
-              <a:t>7/20/17</a:t>
+              <a:t>3/22/2018</a:t>
             </a:fld>
             <a:endParaRPr lang="en-US"/>
           </a:p>
@@ -1417,7 +1413,7 @@
           <a:p>
             <a:fld id="{78C97017-6FC3-485B-9764-EAC9E56C1D49}" type="datetimeFigureOut">
               <a:rPr lang="en-US" smtClean="0"/>
-              <a:t>7/20/17</a:t>
+              <a:t>3/22/2018</a:t>
             </a:fld>
             <a:endParaRPr lang="en-US"/>
           </a:p>
@@ -1702,7 +1698,7 @@
           <a:p>
             <a:fld id="{78C97017-6FC3-485B-9764-EAC9E56C1D49}" type="datetimeFigureOut">
               <a:rPr lang="en-US" smtClean="0"/>
-              <a:t>7/20/17</a:t>
+              <a:t>3/22/2018</a:t>
             </a:fld>
             <a:endParaRPr lang="en-US"/>
           </a:p>
@@ -2121,7 +2117,7 @@
           <a:p>
             <a:fld id="{78C97017-6FC3-485B-9764-EAC9E56C1D49}" type="datetimeFigureOut">
               <a:rPr lang="en-US" smtClean="0"/>
-              <a:t>7/20/17</a:t>
+              <a:t>3/22/2018</a:t>
             </a:fld>
             <a:endParaRPr lang="en-US"/>
           </a:p>
@@ -2238,7 +2234,7 @@
           <a:p>
             <a:fld id="{78C97017-6FC3-485B-9764-EAC9E56C1D49}" type="datetimeFigureOut">
               <a:rPr lang="en-US" smtClean="0"/>
-              <a:t>7/20/17</a:t>
+              <a:t>3/22/2018</a:t>
             </a:fld>
             <a:endParaRPr lang="en-US"/>
           </a:p>
@@ -2333,7 +2329,7 @@
           <a:p>
             <a:fld id="{78C97017-6FC3-485B-9764-EAC9E56C1D49}" type="datetimeFigureOut">
               <a:rPr lang="en-US" smtClean="0"/>
-              <a:t>7/20/17</a:t>
+              <a:t>3/22/2018</a:t>
             </a:fld>
             <a:endParaRPr lang="en-US"/>
           </a:p>
@@ -2608,7 +2604,7 @@
           <a:p>
             <a:fld id="{78C97017-6FC3-485B-9764-EAC9E56C1D49}" type="datetimeFigureOut">
               <a:rPr lang="en-US" smtClean="0"/>
-              <a:t>7/20/17</a:t>
+              <a:t>3/22/2018</a:t>
             </a:fld>
             <a:endParaRPr lang="en-US"/>
           </a:p>
@@ -2860,7 +2856,7 @@
           <a:p>
             <a:fld id="{78C97017-6FC3-485B-9764-EAC9E56C1D49}" type="datetimeFigureOut">
               <a:rPr lang="en-US" smtClean="0"/>
-              <a:t>7/20/17</a:t>
+              <a:t>3/22/2018</a:t>
             </a:fld>
             <a:endParaRPr lang="en-US"/>
           </a:p>
@@ -3071,7 +3067,7 @@
           <a:p>
             <a:fld id="{78C97017-6FC3-485B-9764-EAC9E56C1D49}" type="datetimeFigureOut">
               <a:rPr lang="en-US" smtClean="0"/>
-              <a:t>7/20/17</a:t>
+              <a:t>3/22/2018</a:t>
             </a:fld>
             <a:endParaRPr lang="en-US"/>
           </a:p>
@@ -3607,7 +3603,7 @@
           <a:p>
             <a:pPr algn="ctr"/>
             <a:r>
-              <a:rPr lang="en-US" sz="1050" b="1" dirty="0" err="1" smtClean="0">
+              <a:rPr lang="en-US" sz="1050" b="1" dirty="0" err="1">
                 <a:solidFill>
                   <a:srgbClr val="0070C0"/>
                 </a:solidFill>
@@ -3939,12 +3935,12 @@
           <a:p>
             <a:pPr algn="ctr"/>
             <a:r>
-              <a:rPr lang="en-US" sz="1050" dirty="0" err="1" smtClean="0">
+              <a:rPr lang="en-US" sz="1050">
                 <a:solidFill>
                   <a:schemeClr val="bg1"/>
                 </a:solidFill>
               </a:rPr>
-              <a:t>AddressBook</a:t>
+              <a:t>RecipeBook</a:t>
             </a:r>
             <a:endParaRPr lang="en-US" sz="1050" dirty="0">
               <a:solidFill>
@@ -5517,7 +5513,7 @@
           <p:cNvPr id="97" name="Rectangle 96">
             <a:extLst>
               <a:ext uri="{FF2B5EF4-FFF2-40B4-BE49-F238E27FC236}">
-                <a16:creationId xmlns="" xmlns:a16="http://schemas.microsoft.com/office/drawing/2014/main" id="{AADE6A0C-89AB-467B-8CEA-5FCF36CE0D21}"/>
+                <a16:creationId xmlns:a16="http://schemas.microsoft.com/office/drawing/2014/main" id="{AADE6A0C-89AB-467B-8CEA-5FCF36CE0D21}"/>
               </a:ext>
             </a:extLst>
           </p:cNvPr>
@@ -5815,7 +5811,7 @@
           <a:p>
             <a:pPr algn="ctr"/>
             <a:r>
-              <a:rPr lang="en-US" sz="1050" b="1" dirty="0" err="1" smtClean="0">
+              <a:rPr lang="en-US" sz="1050" b="1" dirty="0" err="1">
                 <a:solidFill>
                   <a:schemeClr val="bg1"/>
                 </a:solidFill>
@@ -6165,7 +6161,7 @@
           <a:p>
             <a:pPr algn="ctr"/>
             <a:r>
-              <a:rPr lang="en-US" sz="1050" dirty="0" err="1" smtClean="0">
+              <a:rPr lang="en-US" sz="1050" dirty="0" err="1">
                 <a:solidFill>
                   <a:schemeClr val="bg1"/>
                 </a:solidFill>
@@ -6173,7 +6169,7 @@
               <a:t>XYZCommand</a:t>
             </a:r>
             <a:r>
-              <a:rPr lang="en-US" sz="1050" dirty="0" smtClean="0">
+              <a:rPr lang="en-US" sz="1050" dirty="0">
                 <a:solidFill>
                   <a:schemeClr val="bg1"/>
                 </a:solidFill>
@@ -6181,7 +6177,7 @@
               <a:t> = </a:t>
             </a:r>
             <a:r>
-              <a:rPr lang="en-US" sz="1050" dirty="0" err="1" smtClean="0">
+              <a:rPr lang="en-US" sz="1050" dirty="0" err="1">
                 <a:solidFill>
                   <a:schemeClr val="bg1"/>
                 </a:solidFill>
@@ -6189,7 +6185,7 @@
               <a:t>AddCommand</a:t>
             </a:r>
             <a:r>
-              <a:rPr lang="en-US" sz="1050" dirty="0" smtClean="0">
+              <a:rPr lang="en-US" sz="1050" dirty="0">
                 <a:solidFill>
                   <a:schemeClr val="bg1"/>
                 </a:solidFill>
@@ -6197,7 +6193,7 @@
               <a:t>, </a:t>
             </a:r>
             <a:r>
-              <a:rPr lang="en-US" sz="1050" dirty="0" err="1" smtClean="0">
+              <a:rPr lang="en-US" sz="1050" dirty="0" err="1">
                 <a:solidFill>
                   <a:schemeClr val="bg1"/>
                 </a:solidFill>
@@ -6205,18 +6201,13 @@
               <a:t>FindCommand</a:t>
             </a:r>
             <a:r>
-              <a:rPr lang="en-US" sz="1050" dirty="0" smtClean="0">
+              <a:rPr lang="en-US" sz="1050" dirty="0">
                 <a:solidFill>
                   <a:schemeClr val="bg1"/>
                 </a:solidFill>
               </a:rPr>
               <a:t>, etc.</a:t>
             </a:r>
-            <a:endParaRPr lang="en-US" sz="1050" dirty="0">
-              <a:solidFill>
-                <a:schemeClr val="bg1"/>
-              </a:solidFill>
-            </a:endParaRPr>
           </a:p>
         </p:txBody>
       </p:sp>
@@ -6264,14 +6255,14 @@
           <a:p>
             <a:pPr algn="ctr"/>
             <a:r>
-              <a:rPr lang="en-US" sz="1050" dirty="0" err="1" smtClean="0">
+              <a:rPr lang="en-US" sz="1050" dirty="0" err="1">
                 <a:solidFill>
                   <a:schemeClr val="bg1"/>
                 </a:solidFill>
               </a:rPr>
               <a:t>UndoRedo</a:t>
             </a:r>
-            <a:endParaRPr lang="en-US" sz="1050" dirty="0" smtClean="0">
+            <a:endParaRPr lang="en-US" sz="1050" dirty="0">
               <a:solidFill>
                 <a:schemeClr val="bg1"/>
               </a:solidFill>
@@ -6280,7 +6271,7 @@
           <a:p>
             <a:pPr algn="ctr"/>
             <a:r>
-              <a:rPr lang="en-US" sz="1050" dirty="0" smtClean="0">
+              <a:rPr lang="en-US" sz="1050" dirty="0">
                 <a:solidFill>
                   <a:schemeClr val="bg1"/>
                 </a:solidFill>

--- a/docs/diagrams/LogicComponentClassDiagram.pptx
+++ b/docs/diagrams/LogicComponentClassDiagram.pptx
@@ -126,10 +126,6 @@
 </p:presentation>
 </file>
 
-<file path=ppt/revisionInfo.xml><?xml version="1.0" encoding="utf-8"?>
-<p1510:revInfo xmlns:a="http://schemas.openxmlformats.org/drawingml/2006/main" xmlns:r="http://schemas.openxmlformats.org/officeDocument/2006/relationships" xmlns:p1510="http://schemas.microsoft.com/office/powerpoint/2015/10/main"/>
-</file>
-
 <file path=ppt/notesMasters/notesMaster1.xml><?xml version="1.0" encoding="utf-8"?>
 <p:notesMaster xmlns:a="http://schemas.openxmlformats.org/drawingml/2006/main" xmlns:r="http://schemas.openxmlformats.org/officeDocument/2006/relationships" xmlns:p="http://schemas.openxmlformats.org/presentationml/2006/main">
   <p:cSld>
@@ -212,7 +208,7 @@
           <a:p>
             <a:fld id="{F5CC4B3F-88C1-4FFA-B1B6-F41C21DC6924}" type="datetimeFigureOut">
               <a:rPr lang="en-US" smtClean="0"/>
-              <a:t>7/20/17</a:t>
+              <a:t>3/25/2018</a:t>
             </a:fld>
             <a:endParaRPr lang="en-US"/>
           </a:p>
@@ -658,7 +654,7 @@
           <a:p>
             <a:fld id="{78C97017-6FC3-485B-9764-EAC9E56C1D49}" type="datetimeFigureOut">
               <a:rPr lang="en-US" smtClean="0"/>
-              <a:t>7/20/17</a:t>
+              <a:t>3/25/2018</a:t>
             </a:fld>
             <a:endParaRPr lang="en-US"/>
           </a:p>
@@ -826,7 +822,7 @@
           <a:p>
             <a:fld id="{78C97017-6FC3-485B-9764-EAC9E56C1D49}" type="datetimeFigureOut">
               <a:rPr lang="en-US" smtClean="0"/>
-              <a:t>7/20/17</a:t>
+              <a:t>3/25/2018</a:t>
             </a:fld>
             <a:endParaRPr lang="en-US"/>
           </a:p>
@@ -1004,7 +1000,7 @@
           <a:p>
             <a:fld id="{78C97017-6FC3-485B-9764-EAC9E56C1D49}" type="datetimeFigureOut">
               <a:rPr lang="en-US" smtClean="0"/>
-              <a:t>7/20/17</a:t>
+              <a:t>3/25/2018</a:t>
             </a:fld>
             <a:endParaRPr lang="en-US"/>
           </a:p>
@@ -1172,7 +1168,7 @@
           <a:p>
             <a:fld id="{78C97017-6FC3-485B-9764-EAC9E56C1D49}" type="datetimeFigureOut">
               <a:rPr lang="en-US" smtClean="0"/>
-              <a:t>7/20/17</a:t>
+              <a:t>3/25/2018</a:t>
             </a:fld>
             <a:endParaRPr lang="en-US"/>
           </a:p>
@@ -1417,7 +1413,7 @@
           <a:p>
             <a:fld id="{78C97017-6FC3-485B-9764-EAC9E56C1D49}" type="datetimeFigureOut">
               <a:rPr lang="en-US" smtClean="0"/>
-              <a:t>7/20/17</a:t>
+              <a:t>3/25/2018</a:t>
             </a:fld>
             <a:endParaRPr lang="en-US"/>
           </a:p>
@@ -1702,7 +1698,7 @@
           <a:p>
             <a:fld id="{78C97017-6FC3-485B-9764-EAC9E56C1D49}" type="datetimeFigureOut">
               <a:rPr lang="en-US" smtClean="0"/>
-              <a:t>7/20/17</a:t>
+              <a:t>3/25/2018</a:t>
             </a:fld>
             <a:endParaRPr lang="en-US"/>
           </a:p>
@@ -2121,7 +2117,7 @@
           <a:p>
             <a:fld id="{78C97017-6FC3-485B-9764-EAC9E56C1D49}" type="datetimeFigureOut">
               <a:rPr lang="en-US" smtClean="0"/>
-              <a:t>7/20/17</a:t>
+              <a:t>3/25/2018</a:t>
             </a:fld>
             <a:endParaRPr lang="en-US"/>
           </a:p>
@@ -2238,7 +2234,7 @@
           <a:p>
             <a:fld id="{78C97017-6FC3-485B-9764-EAC9E56C1D49}" type="datetimeFigureOut">
               <a:rPr lang="en-US" smtClean="0"/>
-              <a:t>7/20/17</a:t>
+              <a:t>3/25/2018</a:t>
             </a:fld>
             <a:endParaRPr lang="en-US"/>
           </a:p>
@@ -2333,7 +2329,7 @@
           <a:p>
             <a:fld id="{78C97017-6FC3-485B-9764-EAC9E56C1D49}" type="datetimeFigureOut">
               <a:rPr lang="en-US" smtClean="0"/>
-              <a:t>7/20/17</a:t>
+              <a:t>3/25/2018</a:t>
             </a:fld>
             <a:endParaRPr lang="en-US"/>
           </a:p>
@@ -2608,7 +2604,7 @@
           <a:p>
             <a:fld id="{78C97017-6FC3-485B-9764-EAC9E56C1D49}" type="datetimeFigureOut">
               <a:rPr lang="en-US" smtClean="0"/>
-              <a:t>7/20/17</a:t>
+              <a:t>3/25/2018</a:t>
             </a:fld>
             <a:endParaRPr lang="en-US"/>
           </a:p>
@@ -2860,7 +2856,7 @@
           <a:p>
             <a:fld id="{78C97017-6FC3-485B-9764-EAC9E56C1D49}" type="datetimeFigureOut">
               <a:rPr lang="en-US" smtClean="0"/>
-              <a:t>7/20/17</a:t>
+              <a:t>3/25/2018</a:t>
             </a:fld>
             <a:endParaRPr lang="en-US"/>
           </a:p>
@@ -3071,7 +3067,7 @@
           <a:p>
             <a:fld id="{78C97017-6FC3-485B-9764-EAC9E56C1D49}" type="datetimeFigureOut">
               <a:rPr lang="en-US" smtClean="0"/>
-              <a:t>7/20/17</a:t>
+              <a:t>3/25/2018</a:t>
             </a:fld>
             <a:endParaRPr lang="en-US"/>
           </a:p>
@@ -3607,7 +3603,7 @@
           <a:p>
             <a:pPr algn="ctr"/>
             <a:r>
-              <a:rPr lang="en-US" sz="1050" b="1" dirty="0" err="1" smtClean="0">
+              <a:rPr lang="en-US" sz="1050" b="1" dirty="0" err="1">
                 <a:solidFill>
                   <a:srgbClr val="0070C0"/>
                 </a:solidFill>
@@ -3939,12 +3935,12 @@
           <a:p>
             <a:pPr algn="ctr"/>
             <a:r>
-              <a:rPr lang="en-US" sz="1050" dirty="0" err="1" smtClean="0">
+              <a:rPr lang="en-US" sz="1050" dirty="0" err="1">
                 <a:solidFill>
                   <a:schemeClr val="bg1"/>
                 </a:solidFill>
               </a:rPr>
-              <a:t>AddressBook</a:t>
+              <a:t>DeskBoard</a:t>
             </a:r>
             <a:endParaRPr lang="en-US" sz="1050" dirty="0">
               <a:solidFill>
@@ -5517,7 +5513,7 @@
           <p:cNvPr id="97" name="Rectangle 96">
             <a:extLst>
               <a:ext uri="{FF2B5EF4-FFF2-40B4-BE49-F238E27FC236}">
-                <a16:creationId xmlns="" xmlns:a16="http://schemas.microsoft.com/office/drawing/2014/main" id="{AADE6A0C-89AB-467B-8CEA-5FCF36CE0D21}"/>
+                <a16:creationId xmlns:a16="http://schemas.microsoft.com/office/drawing/2014/main" id="{AADE6A0C-89AB-467B-8CEA-5FCF36CE0D21}"/>
               </a:ext>
             </a:extLst>
           </p:cNvPr>
@@ -5815,7 +5811,7 @@
           <a:p>
             <a:pPr algn="ctr"/>
             <a:r>
-              <a:rPr lang="en-US" sz="1050" b="1" dirty="0" err="1" smtClean="0">
+              <a:rPr lang="en-US" sz="1050" b="1" dirty="0" err="1">
                 <a:solidFill>
                   <a:schemeClr val="bg1"/>
                 </a:solidFill>
@@ -6165,7 +6161,7 @@
           <a:p>
             <a:pPr algn="ctr"/>
             <a:r>
-              <a:rPr lang="en-US" sz="1050" dirty="0" err="1" smtClean="0">
+              <a:rPr lang="en-US" sz="1050" dirty="0" err="1">
                 <a:solidFill>
                   <a:schemeClr val="bg1"/>
                 </a:solidFill>
@@ -6173,7 +6169,7 @@
               <a:t>XYZCommand</a:t>
             </a:r>
             <a:r>
-              <a:rPr lang="en-US" sz="1050" dirty="0" smtClean="0">
+              <a:rPr lang="en-US" sz="1050" dirty="0">
                 <a:solidFill>
                   <a:schemeClr val="bg1"/>
                 </a:solidFill>
@@ -6181,7 +6177,7 @@
               <a:t> = </a:t>
             </a:r>
             <a:r>
-              <a:rPr lang="en-US" sz="1050" dirty="0" err="1" smtClean="0">
+              <a:rPr lang="en-US" sz="1050" dirty="0" err="1">
                 <a:solidFill>
                   <a:schemeClr val="bg1"/>
                 </a:solidFill>
@@ -6189,7 +6185,7 @@
               <a:t>AddCommand</a:t>
             </a:r>
             <a:r>
-              <a:rPr lang="en-US" sz="1050" dirty="0" smtClean="0">
+              <a:rPr lang="en-US" sz="1050" dirty="0">
                 <a:solidFill>
                   <a:schemeClr val="bg1"/>
                 </a:solidFill>
@@ -6197,7 +6193,7 @@
               <a:t>, </a:t>
             </a:r>
             <a:r>
-              <a:rPr lang="en-US" sz="1050" dirty="0" err="1" smtClean="0">
+              <a:rPr lang="en-US" sz="1050" dirty="0" err="1">
                 <a:solidFill>
                   <a:schemeClr val="bg1"/>
                 </a:solidFill>
@@ -6205,18 +6201,13 @@
               <a:t>FindCommand</a:t>
             </a:r>
             <a:r>
-              <a:rPr lang="en-US" sz="1050" dirty="0" smtClean="0">
+              <a:rPr lang="en-US" sz="1050" dirty="0">
                 <a:solidFill>
                   <a:schemeClr val="bg1"/>
                 </a:solidFill>
               </a:rPr>
               <a:t>, etc.</a:t>
             </a:r>
-            <a:endParaRPr lang="en-US" sz="1050" dirty="0">
-              <a:solidFill>
-                <a:schemeClr val="bg1"/>
-              </a:solidFill>
-            </a:endParaRPr>
           </a:p>
         </p:txBody>
       </p:sp>
@@ -6264,14 +6255,14 @@
           <a:p>
             <a:pPr algn="ctr"/>
             <a:r>
-              <a:rPr lang="en-US" sz="1050" dirty="0" err="1" smtClean="0">
+              <a:rPr lang="en-US" sz="1050" dirty="0" err="1">
                 <a:solidFill>
                   <a:schemeClr val="bg1"/>
                 </a:solidFill>
               </a:rPr>
               <a:t>UndoRedo</a:t>
             </a:r>
-            <a:endParaRPr lang="en-US" sz="1050" dirty="0" smtClean="0">
+            <a:endParaRPr lang="en-US" sz="1050" dirty="0">
               <a:solidFill>
                 <a:schemeClr val="bg1"/>
               </a:solidFill>
@@ -6280,7 +6271,7 @@
           <a:p>
             <a:pPr algn="ctr"/>
             <a:r>
-              <a:rPr lang="en-US" sz="1050" dirty="0" smtClean="0">
+              <a:rPr lang="en-US" sz="1050" dirty="0">
                 <a:solidFill>
                   <a:schemeClr val="bg1"/>
                 </a:solidFill>

--- a/docs/diagrams/LogicComponentClassDiagram.pptx
+++ b/docs/diagrams/LogicComponentClassDiagram.pptx
@@ -109,7 +109,7 @@
   </p:defaultTextStyle>
   <p:extLst>
     <p:ext uri="{EFAFB233-063F-42B5-8137-9DF3F51BA10A}">
-      <p15:sldGuideLst xmlns:p15="http://schemas.microsoft.com/office/powerpoint/2012/main">
+      <p15:sldGuideLst xmlns:p15="http://schemas.microsoft.com/office/powerpoint/2012/main" xmlns="">
         <p15:guide id="1" orient="horz" pos="1488">
           <p15:clr>
             <a:srgbClr val="A4A3A4"/>
@@ -212,7 +212,7 @@
           <a:p>
             <a:fld id="{F5CC4B3F-88C1-4FFA-B1B6-F41C21DC6924}" type="datetimeFigureOut">
               <a:rPr lang="en-US" smtClean="0"/>
-              <a:t>7/20/17</a:t>
+              <a:t>4/14/2018</a:t>
             </a:fld>
             <a:endParaRPr lang="en-US"/>
           </a:p>
@@ -658,7 +658,7 @@
           <a:p>
             <a:fld id="{78C97017-6FC3-485B-9764-EAC9E56C1D49}" type="datetimeFigureOut">
               <a:rPr lang="en-US" smtClean="0"/>
-              <a:t>7/20/17</a:t>
+              <a:t>4/14/2018</a:t>
             </a:fld>
             <a:endParaRPr lang="en-US"/>
           </a:p>
@@ -826,7 +826,7 @@
           <a:p>
             <a:fld id="{78C97017-6FC3-485B-9764-EAC9E56C1D49}" type="datetimeFigureOut">
               <a:rPr lang="en-US" smtClean="0"/>
-              <a:t>7/20/17</a:t>
+              <a:t>4/14/2018</a:t>
             </a:fld>
             <a:endParaRPr lang="en-US"/>
           </a:p>
@@ -1004,7 +1004,7 @@
           <a:p>
             <a:fld id="{78C97017-6FC3-485B-9764-EAC9E56C1D49}" type="datetimeFigureOut">
               <a:rPr lang="en-US" smtClean="0"/>
-              <a:t>7/20/17</a:t>
+              <a:t>4/14/2018</a:t>
             </a:fld>
             <a:endParaRPr lang="en-US"/>
           </a:p>
@@ -1172,7 +1172,7 @@
           <a:p>
             <a:fld id="{78C97017-6FC3-485B-9764-EAC9E56C1D49}" type="datetimeFigureOut">
               <a:rPr lang="en-US" smtClean="0"/>
-              <a:t>7/20/17</a:t>
+              <a:t>4/14/2018</a:t>
             </a:fld>
             <a:endParaRPr lang="en-US"/>
           </a:p>
@@ -1417,7 +1417,7 @@
           <a:p>
             <a:fld id="{78C97017-6FC3-485B-9764-EAC9E56C1D49}" type="datetimeFigureOut">
               <a:rPr lang="en-US" smtClean="0"/>
-              <a:t>7/20/17</a:t>
+              <a:t>4/14/2018</a:t>
             </a:fld>
             <a:endParaRPr lang="en-US"/>
           </a:p>
@@ -1702,7 +1702,7 @@
           <a:p>
             <a:fld id="{78C97017-6FC3-485B-9764-EAC9E56C1D49}" type="datetimeFigureOut">
               <a:rPr lang="en-US" smtClean="0"/>
-              <a:t>7/20/17</a:t>
+              <a:t>4/14/2018</a:t>
             </a:fld>
             <a:endParaRPr lang="en-US"/>
           </a:p>
@@ -2121,7 +2121,7 @@
           <a:p>
             <a:fld id="{78C97017-6FC3-485B-9764-EAC9E56C1D49}" type="datetimeFigureOut">
               <a:rPr lang="en-US" smtClean="0"/>
-              <a:t>7/20/17</a:t>
+              <a:t>4/14/2018</a:t>
             </a:fld>
             <a:endParaRPr lang="en-US"/>
           </a:p>
@@ -2238,7 +2238,7 @@
           <a:p>
             <a:fld id="{78C97017-6FC3-485B-9764-EAC9E56C1D49}" type="datetimeFigureOut">
               <a:rPr lang="en-US" smtClean="0"/>
-              <a:t>7/20/17</a:t>
+              <a:t>4/14/2018</a:t>
             </a:fld>
             <a:endParaRPr lang="en-US"/>
           </a:p>
@@ -2333,7 +2333,7 @@
           <a:p>
             <a:fld id="{78C97017-6FC3-485B-9764-EAC9E56C1D49}" type="datetimeFigureOut">
               <a:rPr lang="en-US" smtClean="0"/>
-              <a:t>7/20/17</a:t>
+              <a:t>4/14/2018</a:t>
             </a:fld>
             <a:endParaRPr lang="en-US"/>
           </a:p>
@@ -2608,7 +2608,7 @@
           <a:p>
             <a:fld id="{78C97017-6FC3-485B-9764-EAC9E56C1D49}" type="datetimeFigureOut">
               <a:rPr lang="en-US" smtClean="0"/>
-              <a:t>7/20/17</a:t>
+              <a:t>4/14/2018</a:t>
             </a:fld>
             <a:endParaRPr lang="en-US"/>
           </a:p>
@@ -2860,7 +2860,7 @@
           <a:p>
             <a:fld id="{78C97017-6FC3-485B-9764-EAC9E56C1D49}" type="datetimeFigureOut">
               <a:rPr lang="en-US" smtClean="0"/>
-              <a:t>7/20/17</a:t>
+              <a:t>4/14/2018</a:t>
             </a:fld>
             <a:endParaRPr lang="en-US"/>
           </a:p>
@@ -3071,7 +3071,7 @@
           <a:p>
             <a:fld id="{78C97017-6FC3-485B-9764-EAC9E56C1D49}" type="datetimeFigureOut">
               <a:rPr lang="en-US" smtClean="0"/>
-              <a:t>7/20/17</a:t>
+              <a:t>4/14/2018</a:t>
             </a:fld>
             <a:endParaRPr lang="en-US"/>
           </a:p>
@@ -3455,7 +3455,7 @@
         <p:spPr>
           <a:xfrm>
             <a:off x="1066800" y="914400"/>
-            <a:ext cx="7084740" cy="3733800"/>
+            <a:ext cx="7084740" cy="4343400"/>
           </a:xfrm>
           <a:prstGeom prst="roundRect">
             <a:avLst>
@@ -3776,7 +3776,7 @@
         </p:nvSpPr>
         <p:spPr>
           <a:xfrm>
-            <a:off x="1103085" y="4777355"/>
+            <a:off x="1103085" y="5463155"/>
             <a:ext cx="7050315" cy="328045"/>
           </a:xfrm>
           <a:prstGeom prst="roundRect">
@@ -3944,18 +3944,10 @@
                   <a:schemeClr val="bg1"/>
                 </a:solidFill>
               </a:rPr>
-              <a:t>AddressBook</a:t>
-            </a:r>
-            <a:endParaRPr lang="en-US" sz="1050" dirty="0">
-              <a:solidFill>
-                <a:schemeClr val="bg1"/>
-              </a:solidFill>
-            </a:endParaRPr>
-          </a:p>
-          <a:p>
-            <a:pPr algn="ctr"/>
-            <a:r>
-              <a:rPr lang="en-US" sz="1050" dirty="0">
+              <a:t>Imdb</a:t>
+            </a:r>
+            <a:r>
+              <a:rPr lang="en-US" sz="1050" dirty="0" err="1" smtClean="0">
                 <a:solidFill>
                   <a:schemeClr val="bg1"/>
                 </a:solidFill>
@@ -3981,7 +3973,7 @@
         <p:spPr>
           <a:xfrm>
             <a:off x="7362894" y="4495800"/>
-            <a:ext cx="0" cy="281555"/>
+            <a:ext cx="544" cy="967355"/>
           </a:xfrm>
           <a:prstGeom prst="straightConnector1">
             <a:avLst/>
@@ -4188,7 +4180,7 @@
         <p:spPr>
           <a:xfrm>
             <a:off x="2329313" y="3930290"/>
-            <a:ext cx="1376" cy="854841"/>
+            <a:ext cx="4908" cy="1532865"/>
           </a:xfrm>
           <a:prstGeom prst="straightConnector1">
             <a:avLst/>
@@ -5517,7 +5509,7 @@
           <p:cNvPr id="97" name="Rectangle 96">
             <a:extLst>
               <a:ext uri="{FF2B5EF4-FFF2-40B4-BE49-F238E27FC236}">
-                <a16:creationId xmlns="" xmlns:a16="http://schemas.microsoft.com/office/drawing/2014/main" id="{AADE6A0C-89AB-467B-8CEA-5FCF36CE0D21}"/>
+                <a16:creationId xmlns:a16="http://schemas.microsoft.com/office/drawing/2014/main" xmlns="" id="{AADE6A0C-89AB-467B-8CEA-5FCF36CE0D21}"/>
               </a:ext>
             </a:extLst>
           </p:cNvPr>
@@ -6374,6 +6366,288 @@
           </a:p>
         </p:txBody>
       </p:sp>
+      <p:sp>
+        <p:nvSpPr>
+          <p:cNvPr id="67" name="Rectangle 62"/>
+          <p:cNvSpPr/>
+          <p:nvPr/>
+        </p:nvSpPr>
+        <p:spPr>
+          <a:xfrm>
+            <a:off x="1235678" y="4720540"/>
+            <a:ext cx="1002818" cy="346760"/>
+          </a:xfrm>
+          <a:prstGeom prst="rect">
+            <a:avLst/>
+          </a:prstGeom>
+          <a:solidFill>
+            <a:srgbClr val="0070C0"/>
+          </a:solidFill>
+          <a:ln w="19050">
+            <a:solidFill>
+              <a:srgbClr val="0070C0"/>
+            </a:solidFill>
+          </a:ln>
+          <a:effectLst/>
+        </p:spPr>
+        <p:style>
+          <a:lnRef idx="1">
+            <a:schemeClr val="accent2"/>
+          </a:lnRef>
+          <a:fillRef idx="2">
+            <a:schemeClr val="accent2"/>
+          </a:fillRef>
+          <a:effectRef idx="1">
+            <a:schemeClr val="accent2"/>
+          </a:effectRef>
+          <a:fontRef idx="minor">
+            <a:schemeClr val="dk1"/>
+          </a:fontRef>
+        </p:style>
+        <p:txBody>
+          <a:bodyPr rtlCol="0" anchor="ctr"/>
+          <a:lstStyle/>
+          <a:p>
+            <a:pPr algn="ctr"/>
+            <a:r>
+              <a:rPr lang="en-US" sz="1050" dirty="0" err="1" smtClean="0">
+                <a:solidFill>
+                  <a:schemeClr val="bg1"/>
+                </a:solidFill>
+              </a:rPr>
+              <a:t>LoginManager</a:t>
+            </a:r>
+            <a:endParaRPr lang="en-SG" sz="1050" dirty="0">
+              <a:solidFill>
+                <a:schemeClr val="bg1"/>
+              </a:solidFill>
+            </a:endParaRPr>
+          </a:p>
+        </p:txBody>
+      </p:sp>
+      <p:cxnSp>
+        <p:nvCxnSpPr>
+          <p:cNvPr id="71" name="Elbow Connector 122"/>
+          <p:cNvCxnSpPr/>
+          <p:nvPr/>
+        </p:nvCxnSpPr>
+        <p:spPr>
+          <a:xfrm>
+            <a:off x="816130" y="4893920"/>
+            <a:ext cx="419548" cy="2860"/>
+          </a:xfrm>
+          <a:prstGeom prst="bentConnector3">
+            <a:avLst>
+              <a:gd name="adj1" fmla="val 50000"/>
+            </a:avLst>
+          </a:prstGeom>
+          <a:ln w="19050">
+            <a:solidFill>
+              <a:schemeClr val="bg1">
+                <a:lumMod val="75000"/>
+              </a:schemeClr>
+            </a:solidFill>
+            <a:prstDash val="sysDot"/>
+            <a:headEnd type="none" w="med" len="med"/>
+            <a:tailEnd type="arrow" w="med" len="med"/>
+          </a:ln>
+          <a:effectLst/>
+        </p:spPr>
+        <p:style>
+          <a:lnRef idx="1">
+            <a:schemeClr val="accent2"/>
+          </a:lnRef>
+          <a:fillRef idx="2">
+            <a:schemeClr val="accent2"/>
+          </a:fillRef>
+          <a:effectRef idx="1">
+            <a:schemeClr val="accent2"/>
+          </a:effectRef>
+          <a:fontRef idx="minor">
+            <a:schemeClr val="dk1"/>
+          </a:fontRef>
+        </p:style>
+      </p:cxnSp>
+      <p:sp>
+        <p:nvSpPr>
+          <p:cNvPr id="72" name="TextBox 71"/>
+          <p:cNvSpPr txBox="1"/>
+          <p:nvPr/>
+        </p:nvSpPr>
+        <p:spPr>
+          <a:xfrm>
+            <a:off x="3027358" y="4917804"/>
+            <a:ext cx="131116" cy="230832"/>
+          </a:xfrm>
+          <a:prstGeom prst="rect">
+            <a:avLst/>
+          </a:prstGeom>
+          <a:noFill/>
+        </p:spPr>
+        <p:txBody>
+          <a:bodyPr wrap="square" lIns="0" tIns="0" rIns="0" bIns="0" rtlCol="0">
+            <a:noAutofit/>
+          </a:bodyPr>
+          <a:lstStyle/>
+          <a:p>
+            <a:pPr algn="r"/>
+            <a:r>
+              <a:rPr lang="en-US" sz="1100" dirty="0">
+                <a:solidFill>
+                  <a:srgbClr val="0070C0"/>
+                </a:solidFill>
+              </a:rPr>
+              <a:t>1</a:t>
+            </a:r>
+            <a:endParaRPr lang="en-SG" sz="1100" dirty="0">
+              <a:solidFill>
+                <a:srgbClr val="0070C0"/>
+              </a:solidFill>
+            </a:endParaRPr>
+          </a:p>
+        </p:txBody>
+      </p:sp>
+      <p:cxnSp>
+        <p:nvCxnSpPr>
+          <p:cNvPr id="73" name="Straight Connector 72"/>
+          <p:cNvCxnSpPr/>
+          <p:nvPr/>
+        </p:nvCxnSpPr>
+        <p:spPr>
+          <a:xfrm>
+            <a:off x="2240170" y="4855240"/>
+            <a:ext cx="1015248" cy="0"/>
+          </a:xfrm>
+          <a:prstGeom prst="line">
+            <a:avLst/>
+          </a:prstGeom>
+          <a:ln w="19050">
+            <a:solidFill>
+              <a:srgbClr val="0070C0"/>
+            </a:solidFill>
+            <a:prstDash val="solid"/>
+            <a:headEnd type="none" w="med" len="med"/>
+            <a:tailEnd type="arrow" w="med" len="med"/>
+          </a:ln>
+          <a:effectLst/>
+        </p:spPr>
+        <p:style>
+          <a:lnRef idx="1">
+            <a:schemeClr val="accent2"/>
+          </a:lnRef>
+          <a:fillRef idx="2">
+            <a:schemeClr val="accent2"/>
+          </a:fillRef>
+          <a:effectRef idx="1">
+            <a:schemeClr val="accent2"/>
+          </a:effectRef>
+          <a:fontRef idx="minor">
+            <a:schemeClr val="dk1"/>
+          </a:fontRef>
+        </p:style>
+      </p:cxnSp>
+      <p:sp>
+        <p:nvSpPr>
+          <p:cNvPr id="76" name="Rectangle 62"/>
+          <p:cNvSpPr/>
+          <p:nvPr/>
+        </p:nvSpPr>
+        <p:spPr>
+          <a:xfrm>
+            <a:off x="3255418" y="4691398"/>
+            <a:ext cx="1093635" cy="346760"/>
+          </a:xfrm>
+          <a:prstGeom prst="rect">
+            <a:avLst/>
+          </a:prstGeom>
+          <a:solidFill>
+            <a:srgbClr val="0070C0"/>
+          </a:solidFill>
+          <a:ln w="19050">
+            <a:solidFill>
+              <a:srgbClr val="0070C0"/>
+            </a:solidFill>
+          </a:ln>
+          <a:effectLst/>
+        </p:spPr>
+        <p:style>
+          <a:lnRef idx="1">
+            <a:schemeClr val="accent2"/>
+          </a:lnRef>
+          <a:fillRef idx="2">
+            <a:schemeClr val="accent2"/>
+          </a:fillRef>
+          <a:effectRef idx="1">
+            <a:schemeClr val="accent2"/>
+          </a:effectRef>
+          <a:fontRef idx="minor">
+            <a:schemeClr val="dk1"/>
+          </a:fontRef>
+        </p:style>
+        <p:txBody>
+          <a:bodyPr rtlCol="0" anchor="ctr"/>
+          <a:lstStyle/>
+          <a:p>
+            <a:pPr algn="ctr"/>
+            <a:r>
+              <a:rPr lang="en-US" sz="1050" dirty="0" err="1" smtClean="0">
+                <a:solidFill>
+                  <a:schemeClr val="bg1"/>
+                </a:solidFill>
+              </a:rPr>
+              <a:t>LoginState</a:t>
+            </a:r>
+            <a:endParaRPr lang="en-SG" sz="1050" dirty="0">
+              <a:solidFill>
+                <a:schemeClr val="bg1"/>
+              </a:solidFill>
+            </a:endParaRPr>
+          </a:p>
+        </p:txBody>
+      </p:sp>
+      <p:cxnSp>
+        <p:nvCxnSpPr>
+          <p:cNvPr id="77" name="Elbow Connector 122"/>
+          <p:cNvCxnSpPr>
+            <a:endCxn id="16" idx="2"/>
+          </p:cNvCxnSpPr>
+          <p:nvPr/>
+        </p:nvCxnSpPr>
+        <p:spPr>
+          <a:xfrm rot="5400000" flipH="1" flipV="1">
+            <a:off x="3410487" y="4304322"/>
+            <a:ext cx="732423" cy="2764"/>
+          </a:xfrm>
+          <a:prstGeom prst="bentConnector3">
+            <a:avLst>
+              <a:gd name="adj1" fmla="val 50000"/>
+            </a:avLst>
+          </a:prstGeom>
+          <a:ln w="19050">
+            <a:solidFill>
+              <a:srgbClr val="0070C0"/>
+            </a:solidFill>
+            <a:prstDash val="sysDot"/>
+            <a:headEnd type="none" w="med" len="med"/>
+            <a:tailEnd type="arrow" w="med" len="med"/>
+          </a:ln>
+          <a:effectLst/>
+        </p:spPr>
+        <p:style>
+          <a:lnRef idx="1">
+            <a:schemeClr val="accent2"/>
+          </a:lnRef>
+          <a:fillRef idx="2">
+            <a:schemeClr val="accent2"/>
+          </a:fillRef>
+          <a:effectRef idx="1">
+            <a:schemeClr val="accent2"/>
+          </a:effectRef>
+          <a:fontRef idx="minor">
+            <a:schemeClr val="dk1"/>
+          </a:fontRef>
+        </p:style>
+      </p:cxnSp>
     </p:spTree>
     <p:extLst>
       <p:ext uri="{BB962C8B-B14F-4D97-AF65-F5344CB8AC3E}">

--- a/docs/diagrams/LogicComponentClassDiagram.pptx
+++ b/docs/diagrams/LogicComponentClassDiagram.pptx
@@ -8,7 +8,7 @@
     <p:notesMasterId r:id="rId3"/>
   </p:notesMasterIdLst>
   <p:sldIdLst>
-    <p:sldId id="262" r:id="rId2"/>
+    <p:sldId id="259" r:id="rId2"/>
   </p:sldIdLst>
   <p:sldSz cx="9144000" cy="6858000" type="screen4x3"/>
   <p:notesSz cx="6858000" cy="9144000"/>
@@ -126,10 +126,6 @@
 </p:presentation>
 </file>
 
-<file path=ppt/revisionInfo.xml><?xml version="1.0" encoding="utf-8"?>
-<p1510:revInfo xmlns:a="http://schemas.openxmlformats.org/drawingml/2006/main" xmlns:r="http://schemas.openxmlformats.org/officeDocument/2006/relationships" xmlns:p1510="http://schemas.microsoft.com/office/powerpoint/2015/10/main"/>
-</file>
-
 <file path=ppt/notesMasters/notesMaster1.xml><?xml version="1.0" encoding="utf-8"?>
 <p:notesMaster xmlns:a="http://schemas.openxmlformats.org/drawingml/2006/main" xmlns:r="http://schemas.openxmlformats.org/officeDocument/2006/relationships" xmlns:p="http://schemas.openxmlformats.org/presentationml/2006/main">
   <p:cSld>
@@ -212,7 +208,7 @@
           <a:p>
             <a:fld id="{F5CC4B3F-88C1-4FFA-B1B6-F41C21DC6924}" type="datetimeFigureOut">
               <a:rPr lang="en-US" smtClean="0"/>
-              <a:t>7/20/17</a:t>
+              <a:t>4/15/2018</a:t>
             </a:fld>
             <a:endParaRPr lang="en-US"/>
           </a:p>
@@ -658,7 +654,7 @@
           <a:p>
             <a:fld id="{78C97017-6FC3-485B-9764-EAC9E56C1D49}" type="datetimeFigureOut">
               <a:rPr lang="en-US" smtClean="0"/>
-              <a:t>7/20/17</a:t>
+              <a:t>4/15/2018</a:t>
             </a:fld>
             <a:endParaRPr lang="en-US"/>
           </a:p>
@@ -826,7 +822,7 @@
           <a:p>
             <a:fld id="{78C97017-6FC3-485B-9764-EAC9E56C1D49}" type="datetimeFigureOut">
               <a:rPr lang="en-US" smtClean="0"/>
-              <a:t>7/20/17</a:t>
+              <a:t>4/15/2018</a:t>
             </a:fld>
             <a:endParaRPr lang="en-US"/>
           </a:p>
@@ -1004,7 +1000,7 @@
           <a:p>
             <a:fld id="{78C97017-6FC3-485B-9764-EAC9E56C1D49}" type="datetimeFigureOut">
               <a:rPr lang="en-US" smtClean="0"/>
-              <a:t>7/20/17</a:t>
+              <a:t>4/15/2018</a:t>
             </a:fld>
             <a:endParaRPr lang="en-US"/>
           </a:p>
@@ -1172,7 +1168,7 @@
           <a:p>
             <a:fld id="{78C97017-6FC3-485B-9764-EAC9E56C1D49}" type="datetimeFigureOut">
               <a:rPr lang="en-US" smtClean="0"/>
-              <a:t>7/20/17</a:t>
+              <a:t>4/15/2018</a:t>
             </a:fld>
             <a:endParaRPr lang="en-US"/>
           </a:p>
@@ -1417,7 +1413,7 @@
           <a:p>
             <a:fld id="{78C97017-6FC3-485B-9764-EAC9E56C1D49}" type="datetimeFigureOut">
               <a:rPr lang="en-US" smtClean="0"/>
-              <a:t>7/20/17</a:t>
+              <a:t>4/15/2018</a:t>
             </a:fld>
             <a:endParaRPr lang="en-US"/>
           </a:p>
@@ -1702,7 +1698,7 @@
           <a:p>
             <a:fld id="{78C97017-6FC3-485B-9764-EAC9E56C1D49}" type="datetimeFigureOut">
               <a:rPr lang="en-US" smtClean="0"/>
-              <a:t>7/20/17</a:t>
+              <a:t>4/15/2018</a:t>
             </a:fld>
             <a:endParaRPr lang="en-US"/>
           </a:p>
@@ -2121,7 +2117,7 @@
           <a:p>
             <a:fld id="{78C97017-6FC3-485B-9764-EAC9E56C1D49}" type="datetimeFigureOut">
               <a:rPr lang="en-US" smtClean="0"/>
-              <a:t>7/20/17</a:t>
+              <a:t>4/15/2018</a:t>
             </a:fld>
             <a:endParaRPr lang="en-US"/>
           </a:p>
@@ -2238,7 +2234,7 @@
           <a:p>
             <a:fld id="{78C97017-6FC3-485B-9764-EAC9E56C1D49}" type="datetimeFigureOut">
               <a:rPr lang="en-US" smtClean="0"/>
-              <a:t>7/20/17</a:t>
+              <a:t>4/15/2018</a:t>
             </a:fld>
             <a:endParaRPr lang="en-US"/>
           </a:p>
@@ -2333,7 +2329,7 @@
           <a:p>
             <a:fld id="{78C97017-6FC3-485B-9764-EAC9E56C1D49}" type="datetimeFigureOut">
               <a:rPr lang="en-US" smtClean="0"/>
-              <a:t>7/20/17</a:t>
+              <a:t>4/15/2018</a:t>
             </a:fld>
             <a:endParaRPr lang="en-US"/>
           </a:p>
@@ -2608,7 +2604,7 @@
           <a:p>
             <a:fld id="{78C97017-6FC3-485B-9764-EAC9E56C1D49}" type="datetimeFigureOut">
               <a:rPr lang="en-US" smtClean="0"/>
-              <a:t>7/20/17</a:t>
+              <a:t>4/15/2018</a:t>
             </a:fld>
             <a:endParaRPr lang="en-US"/>
           </a:p>
@@ -2860,7 +2856,7 @@
           <a:p>
             <a:fld id="{78C97017-6FC3-485B-9764-EAC9E56C1D49}" type="datetimeFigureOut">
               <a:rPr lang="en-US" smtClean="0"/>
-              <a:t>7/20/17</a:t>
+              <a:t>4/15/2018</a:t>
             </a:fld>
             <a:endParaRPr lang="en-US"/>
           </a:p>
@@ -3071,7 +3067,7 @@
           <a:p>
             <a:fld id="{78C97017-6FC3-485B-9764-EAC9E56C1D49}" type="datetimeFigureOut">
               <a:rPr lang="en-US" smtClean="0"/>
-              <a:t>7/20/17</a:t>
+              <a:t>4/15/2018</a:t>
             </a:fld>
             <a:endParaRPr lang="en-US"/>
           </a:p>
@@ -3454,8 +3450,8 @@
         </p:nvSpPr>
         <p:spPr>
           <a:xfrm>
-            <a:off x="1066800" y="914400"/>
-            <a:ext cx="7084740" cy="3733800"/>
+            <a:off x="1943100" y="1543050"/>
+            <a:ext cx="5313555" cy="2800350"/>
           </a:xfrm>
           <a:prstGeom prst="roundRect">
             <a:avLst>
@@ -3492,14 +3488,14 @@
           <a:lstStyle/>
           <a:p>
             <a:r>
-              <a:rPr lang="en-US" sz="1200" b="1" dirty="0">
+              <a:rPr lang="en-US" sz="900" b="1" dirty="0">
                 <a:solidFill>
                   <a:srgbClr val="0070C0"/>
                 </a:solidFill>
               </a:rPr>
               <a:t>Logic</a:t>
             </a:r>
-            <a:endParaRPr lang="en-SG" sz="1200" b="1" dirty="0">
+            <a:endParaRPr lang="en-SG" sz="900" b="1" dirty="0">
               <a:solidFill>
                 <a:srgbClr val="0070C0"/>
               </a:solidFill>
@@ -3515,8 +3511,8 @@
         </p:nvSpPr>
         <p:spPr>
           <a:xfrm>
-            <a:off x="2095948" y="1253067"/>
-            <a:ext cx="1093635" cy="346760"/>
+            <a:off x="2714962" y="1797050"/>
+            <a:ext cx="820226" cy="260070"/>
           </a:xfrm>
           <a:prstGeom prst="rect">
             <a:avLst/>
@@ -3551,14 +3547,14 @@
           <a:p>
             <a:pPr algn="ctr"/>
             <a:r>
-              <a:rPr lang="en-US" sz="1050" dirty="0" err="1">
+              <a:rPr lang="en-US" sz="788" dirty="0" err="1">
                 <a:solidFill>
                   <a:schemeClr val="bg1"/>
                 </a:solidFill>
               </a:rPr>
               <a:t>CommandResult</a:t>
             </a:r>
-            <a:endParaRPr lang="en-SG" sz="1050" dirty="0">
+            <a:endParaRPr lang="en-SG" sz="788" dirty="0">
               <a:solidFill>
                 <a:schemeClr val="bg1"/>
               </a:solidFill>
@@ -3574,8 +3570,8 @@
         </p:nvSpPr>
         <p:spPr>
           <a:xfrm flipH="1">
-            <a:off x="6878274" y="2740152"/>
-            <a:ext cx="970326" cy="346760"/>
+            <a:off x="6301705" y="2912364"/>
+            <a:ext cx="727745" cy="260070"/>
           </a:xfrm>
           <a:prstGeom prst="rect">
             <a:avLst/>
@@ -3607,14 +3603,14 @@
           <a:p>
             <a:pPr algn="ctr"/>
             <a:r>
-              <a:rPr lang="en-US" sz="1050" b="1" dirty="0" err="1" smtClean="0">
+              <a:rPr lang="en-US" sz="788" b="1" dirty="0" err="1">
                 <a:solidFill>
                   <a:srgbClr val="0070C0"/>
                 </a:solidFill>
               </a:rPr>
               <a:t>XYZCommand</a:t>
             </a:r>
-            <a:endParaRPr lang="en-SG" sz="1050" b="1" dirty="0">
+            <a:endParaRPr lang="en-SG" sz="788" b="1" dirty="0">
               <a:solidFill>
                 <a:srgbClr val="0070C0"/>
               </a:solidFill>
@@ -3630,8 +3626,8 @@
         </p:nvSpPr>
         <p:spPr>
           <a:xfrm>
-            <a:off x="1782495" y="3583530"/>
-            <a:ext cx="1093635" cy="346760"/>
+            <a:off x="2479873" y="3544898"/>
+            <a:ext cx="820226" cy="260070"/>
           </a:xfrm>
           <a:prstGeom prst="rect">
             <a:avLst/>
@@ -3666,14 +3662,14 @@
           <a:p>
             <a:pPr algn="ctr"/>
             <a:r>
-              <a:rPr lang="en-US" sz="1050" dirty="0" err="1">
+              <a:rPr lang="en-US" sz="788" dirty="0" err="1">
                 <a:solidFill>
                   <a:schemeClr val="bg1"/>
                 </a:solidFill>
               </a:rPr>
               <a:t>LogicManager</a:t>
             </a:r>
-            <a:endParaRPr lang="en-SG" sz="1050" dirty="0">
+            <a:endParaRPr lang="en-SG" sz="788" dirty="0">
               <a:solidFill>
                 <a:schemeClr val="bg1"/>
               </a:solidFill>
@@ -3692,8 +3688,8 @@
         </p:nvCxnSpPr>
         <p:spPr>
           <a:xfrm flipH="1" flipV="1">
-            <a:off x="3189583" y="1426447"/>
-            <a:ext cx="4559332" cy="2895973"/>
+            <a:off x="3535187" y="1927086"/>
+            <a:ext cx="3419499" cy="2171980"/>
           </a:xfrm>
           <a:prstGeom prst="bentConnector3">
             <a:avLst>
@@ -3735,8 +3731,8 @@
         </p:nvCxnSpPr>
         <p:spPr>
           <a:xfrm>
-            <a:off x="1676400" y="1423587"/>
-            <a:ext cx="419548" cy="2860"/>
+            <a:off x="2400300" y="1924940"/>
+            <a:ext cx="314661" cy="2145"/>
           </a:xfrm>
           <a:prstGeom prst="bentConnector3">
             <a:avLst>
@@ -3776,8 +3772,8 @@
         </p:nvSpPr>
         <p:spPr>
           <a:xfrm>
-            <a:off x="1103085" y="4777355"/>
-            <a:ext cx="7050315" cy="328045"/>
+            <a:off x="1970315" y="4440267"/>
+            <a:ext cx="5287736" cy="246034"/>
           </a:xfrm>
           <a:prstGeom prst="roundRect">
             <a:avLst/>
@@ -3813,14 +3809,14 @@
           <a:p>
             <a:pPr algn="ctr"/>
             <a:r>
-              <a:rPr lang="en-US" sz="1100" b="1" dirty="0">
+              <a:rPr lang="en-US" sz="825" b="1" dirty="0">
                 <a:solidFill>
                   <a:schemeClr val="bg1"/>
                 </a:solidFill>
               </a:rPr>
               <a:t>Model</a:t>
             </a:r>
-            <a:endParaRPr lang="en-SG" sz="1100" b="1" dirty="0">
+            <a:endParaRPr lang="en-SG" sz="825" b="1" dirty="0">
               <a:solidFill>
                 <a:schemeClr val="bg1"/>
               </a:solidFill>
@@ -3836,8 +3832,8 @@
         </p:nvSpPr>
         <p:spPr>
           <a:xfrm>
-            <a:off x="6976872" y="4149040"/>
-            <a:ext cx="772043" cy="346760"/>
+            <a:off x="6375655" y="3969030"/>
+            <a:ext cx="579032" cy="260070"/>
           </a:xfrm>
           <a:prstGeom prst="rect">
             <a:avLst/>
@@ -3869,7 +3865,7 @@
           <a:p>
             <a:pPr algn="ctr"/>
             <a:r>
-              <a:rPr lang="en-US" sz="1050" b="1" dirty="0">
+              <a:rPr lang="en-US" sz="788" b="1" dirty="0">
                 <a:solidFill>
                   <a:srgbClr val="0070C0"/>
                 </a:solidFill>
@@ -3877,21 +3873,21 @@
               <a:t>{abstract}</a:t>
             </a:r>
             <a:br>
-              <a:rPr lang="en-US" sz="1050" b="1" dirty="0">
+              <a:rPr lang="en-US" sz="788" b="1" dirty="0">
                 <a:solidFill>
                   <a:srgbClr val="0070C0"/>
                 </a:solidFill>
               </a:rPr>
             </a:br>
             <a:r>
-              <a:rPr lang="en-US" sz="1050" b="1" dirty="0">
+              <a:rPr lang="en-US" sz="788" b="1" dirty="0">
                 <a:solidFill>
                   <a:srgbClr val="0070C0"/>
                 </a:solidFill>
               </a:rPr>
               <a:t>Command</a:t>
             </a:r>
-            <a:endParaRPr lang="en-SG" sz="1050" b="1" dirty="0">
+            <a:endParaRPr lang="en-SG" sz="788" b="1" dirty="0">
               <a:solidFill>
                 <a:srgbClr val="0070C0"/>
               </a:solidFill>
@@ -3907,8 +3903,8 @@
         </p:nvSpPr>
         <p:spPr>
           <a:xfrm>
-            <a:off x="3255418" y="3554995"/>
-            <a:ext cx="1045323" cy="384497"/>
+            <a:off x="3584565" y="3523497"/>
+            <a:ext cx="783992" cy="288373"/>
           </a:xfrm>
           <a:prstGeom prst="rect">
             <a:avLst/>
@@ -3939,30 +3935,25 @@
           <a:p>
             <a:pPr algn="ctr"/>
             <a:r>
-              <a:rPr lang="en-US" sz="1050" dirty="0" err="1" smtClean="0">
+              <a:rPr lang="en-US" sz="788" dirty="0">
                 <a:solidFill>
                   <a:schemeClr val="bg1"/>
                 </a:solidFill>
               </a:rPr>
-              <a:t>AddressBook</a:t>
-            </a:r>
-            <a:endParaRPr lang="en-US" sz="1050" dirty="0">
-              <a:solidFill>
-                <a:schemeClr val="bg1"/>
-              </a:solidFill>
-            </a:endParaRPr>
+              <a:t>Catalogue</a:t>
+            </a:r>
           </a:p>
           <a:p>
             <a:pPr algn="ctr"/>
             <a:r>
-              <a:rPr lang="en-US" sz="1050" dirty="0">
+              <a:rPr lang="en-US" sz="788" dirty="0">
                 <a:solidFill>
                   <a:schemeClr val="bg1"/>
                 </a:solidFill>
               </a:rPr>
               <a:t>Parser</a:t>
             </a:r>
-            <a:endParaRPr lang="en-SG" sz="1050" dirty="0">
+            <a:endParaRPr lang="en-SG" sz="788" dirty="0">
               <a:solidFill>
                 <a:schemeClr val="bg1"/>
               </a:solidFill>
@@ -3980,8 +3971,8 @@
         </p:nvCxnSpPr>
         <p:spPr>
           <a:xfrm>
-            <a:off x="7362894" y="4495800"/>
-            <a:ext cx="0" cy="281555"/>
+            <a:off x="6665171" y="4229101"/>
+            <a:ext cx="0" cy="211166"/>
           </a:xfrm>
           <a:prstGeom prst="straightConnector1">
             <a:avLst/>
@@ -4019,8 +4010,8 @@
         </p:nvSpPr>
         <p:spPr>
           <a:xfrm rot="16200000">
-            <a:off x="398120" y="2150720"/>
-            <a:ext cx="2209800" cy="346760"/>
+            <a:off x="1441590" y="2470290"/>
+            <a:ext cx="1657350" cy="260070"/>
           </a:xfrm>
           <a:prstGeom prst="rect">
             <a:avLst/>
@@ -4055,7 +4046,7 @@
           <a:p>
             <a:pPr algn="ctr"/>
             <a:r>
-              <a:rPr lang="en-US" sz="1050" dirty="0">
+              <a:rPr lang="en-US" sz="788" dirty="0">
                 <a:solidFill>
                   <a:schemeClr val="bg1"/>
                 </a:solidFill>
@@ -4066,14 +4057,14 @@
           <a:p>
             <a:pPr algn="ctr"/>
             <a:r>
-              <a:rPr lang="en-US" sz="1050" dirty="0">
+              <a:rPr lang="en-US" sz="788" dirty="0">
                 <a:solidFill>
                   <a:schemeClr val="bg1"/>
                 </a:solidFill>
               </a:rPr>
               <a:t>Logic</a:t>
             </a:r>
-            <a:endParaRPr lang="en-SG" sz="1050" dirty="0">
+            <a:endParaRPr lang="en-SG" sz="788" dirty="0">
               <a:solidFill>
                 <a:schemeClr val="bg1"/>
               </a:solidFill>
@@ -4089,8 +4080,8 @@
         </p:nvSpPr>
         <p:spPr>
           <a:xfrm>
-            <a:off x="1359039" y="3429000"/>
-            <a:ext cx="270504" cy="175523"/>
+            <a:off x="2162279" y="3429001"/>
+            <a:ext cx="202878" cy="131642"/>
           </a:xfrm>
           <a:prstGeom prst="triangle">
             <a:avLst/>
@@ -4127,7 +4118,7 @@
           <a:lstStyle/>
           <a:p>
             <a:pPr algn="ctr"/>
-            <a:endParaRPr lang="en-SG" sz="1050" b="1">
+            <a:endParaRPr lang="en-SG" sz="788" b="1">
               <a:solidFill>
                 <a:srgbClr val="92D050"/>
               </a:solidFill>
@@ -4146,8 +4137,8 @@
         </p:nvCxnSpPr>
         <p:spPr>
           <a:xfrm rot="10800000">
-            <a:off x="1494291" y="3604524"/>
-            <a:ext cx="288204" cy="152387"/>
+            <a:off x="2263718" y="3560644"/>
+            <a:ext cx="216153" cy="114290"/>
           </a:xfrm>
           <a:prstGeom prst="bentConnector2">
             <a:avLst/>
@@ -4187,8 +4178,8 @@
         </p:nvCxnSpPr>
         <p:spPr>
           <a:xfrm>
-            <a:off x="2329313" y="3930290"/>
-            <a:ext cx="1376" cy="854841"/>
+            <a:off x="2889985" y="3804969"/>
+            <a:ext cx="1032" cy="641131"/>
           </a:xfrm>
           <a:prstGeom prst="straightConnector1">
             <a:avLst/>
@@ -4225,8 +4216,8 @@
         </p:nvCxnSpPr>
         <p:spPr>
           <a:xfrm>
-            <a:off x="893311" y="2832505"/>
-            <a:ext cx="419548" cy="2860"/>
+            <a:off x="1812983" y="2981629"/>
+            <a:ext cx="314661" cy="2145"/>
           </a:xfrm>
           <a:prstGeom prst="bentConnector3">
             <a:avLst>
@@ -4270,8 +4261,8 @@
         </p:nvCxnSpPr>
         <p:spPr>
           <a:xfrm>
-            <a:off x="2281833" y="3939492"/>
-            <a:ext cx="4695039" cy="382928"/>
+            <a:off x="2854376" y="3811869"/>
+            <a:ext cx="3521279" cy="287196"/>
           </a:xfrm>
           <a:prstGeom prst="bentConnector3">
             <a:avLst>
@@ -4311,8 +4302,8 @@
         </p:nvGrpSpPr>
         <p:grpSpPr>
           <a:xfrm>
-            <a:off x="4597400" y="4341168"/>
-            <a:ext cx="889000" cy="230832"/>
+            <a:off x="4591050" y="4113126"/>
+            <a:ext cx="666750" cy="173124"/>
             <a:chOff x="2895600" y="807932"/>
             <a:chExt cx="889000" cy="230832"/>
           </a:xfrm>
@@ -4341,14 +4332,14 @@
             <a:p>
               <a:pPr algn="r"/>
               <a:r>
-                <a:rPr lang="en-US" sz="1100" dirty="0">
+                <a:rPr lang="en-US" sz="825" dirty="0">
                   <a:solidFill>
                     <a:srgbClr val="0070C0"/>
                   </a:solidFill>
                 </a:rPr>
                 <a:t>executes</a:t>
               </a:r>
-              <a:endParaRPr lang="en-SG" sz="1100" dirty="0">
+              <a:endParaRPr lang="en-SG" sz="825" dirty="0">
                 <a:solidFill>
                   <a:srgbClr val="0070C0"/>
                 </a:solidFill>
@@ -4398,7 +4389,7 @@
             <a:lstStyle/>
             <a:p>
               <a:pPr algn="ctr"/>
-              <a:endParaRPr lang="en-SG"/>
+              <a:endParaRPr lang="en-SG" sz="1350"/>
             </a:p>
           </p:txBody>
         </p:sp>
@@ -4411,8 +4402,8 @@
         </p:nvGrpSpPr>
         <p:grpSpPr>
           <a:xfrm>
-            <a:off x="4665110" y="1219200"/>
-            <a:ext cx="868568" cy="230832"/>
+            <a:off x="4641833" y="1771650"/>
+            <a:ext cx="651426" cy="173124"/>
             <a:chOff x="2755838" y="789460"/>
             <a:chExt cx="868568" cy="230832"/>
           </a:xfrm>
@@ -4440,14 +4431,14 @@
             <a:lstStyle/>
             <a:p>
               <a:r>
-                <a:rPr lang="en-US" sz="1100" dirty="0">
+                <a:rPr lang="en-US" sz="825" dirty="0">
                   <a:solidFill>
                     <a:srgbClr val="0070C0"/>
                   </a:solidFill>
                 </a:rPr>
                 <a:t>produces</a:t>
               </a:r>
-              <a:endParaRPr lang="en-SG" sz="1100" dirty="0">
+              <a:endParaRPr lang="en-SG" sz="825" dirty="0">
                 <a:solidFill>
                   <a:srgbClr val="0070C0"/>
                 </a:solidFill>
@@ -4497,7 +4488,7 @@
             <a:lstStyle/>
             <a:p>
               <a:pPr algn="ctr"/>
-              <a:endParaRPr lang="en-SG"/>
+              <a:endParaRPr lang="en-SG" sz="1350"/>
             </a:p>
           </p:txBody>
         </p:sp>
@@ -4510,8 +4501,8 @@
         </p:nvSpPr>
         <p:spPr>
           <a:xfrm>
-            <a:off x="3048000" y="3733800"/>
-            <a:ext cx="131116" cy="230832"/>
+            <a:off x="3429000" y="3657600"/>
+            <a:ext cx="98337" cy="173124"/>
           </a:xfrm>
           <a:prstGeom prst="rect">
             <a:avLst/>
@@ -4526,14 +4517,14 @@
           <a:p>
             <a:pPr algn="r"/>
             <a:r>
-              <a:rPr lang="en-US" sz="1100" dirty="0">
+              <a:rPr lang="en-US" sz="825" dirty="0">
                 <a:solidFill>
                   <a:srgbClr val="0070C0"/>
                 </a:solidFill>
               </a:rPr>
               <a:t>1</a:t>
             </a:r>
-            <a:endParaRPr lang="en-SG" sz="1100" dirty="0">
+            <a:endParaRPr lang="en-SG" sz="825" dirty="0">
               <a:solidFill>
                 <a:srgbClr val="0070C0"/>
               </a:solidFill>
@@ -4549,8 +4540,8 @@
         </p:nvCxnSpPr>
         <p:spPr>
           <a:xfrm rot="5400000" flipH="1" flipV="1">
-            <a:off x="1193276" y="2601868"/>
-            <a:ext cx="1969553" cy="2764"/>
+            <a:off x="2037958" y="2808651"/>
+            <a:ext cx="1477165" cy="2073"/>
           </a:xfrm>
           <a:prstGeom prst="bentConnector3">
             <a:avLst>
@@ -4590,8 +4581,8 @@
         </p:nvSpPr>
         <p:spPr>
           <a:xfrm>
-            <a:off x="3174214" y="1862795"/>
-            <a:ext cx="751107" cy="346760"/>
+            <a:off x="3523662" y="2254346"/>
+            <a:ext cx="563330" cy="260070"/>
           </a:xfrm>
           <a:prstGeom prst="rect">
             <a:avLst/>
@@ -4632,7 +4623,7 @@
           <a:p>
             <a:pPr algn="ctr"/>
             <a:r>
-              <a:rPr lang="en-US" sz="1050">
+              <a:rPr lang="en-US" sz="788">
                 <a:solidFill>
                   <a:schemeClr val="bg1"/>
                 </a:solidFill>
@@ -4640,21 +4631,21 @@
               <a:t>Argument</a:t>
             </a:r>
             <a:br>
-              <a:rPr lang="en-US" sz="1050">
+              <a:rPr lang="en-US" sz="788">
                 <a:solidFill>
                   <a:schemeClr val="bg1"/>
                 </a:solidFill>
               </a:rPr>
             </a:br>
             <a:r>
-              <a:rPr lang="en-US" sz="1050">
+              <a:rPr lang="en-US" sz="788">
                 <a:solidFill>
                   <a:schemeClr val="bg1"/>
                 </a:solidFill>
               </a:rPr>
               <a:t>Tokenizer</a:t>
             </a:r>
-            <a:endParaRPr lang="en-SG" sz="1050" dirty="0">
+            <a:endParaRPr lang="en-SG" sz="788" dirty="0">
               <a:solidFill>
                 <a:schemeClr val="bg1"/>
               </a:solidFill>
@@ -4670,8 +4661,8 @@
         </p:nvSpPr>
         <p:spPr>
           <a:xfrm>
-            <a:off x="2238496" y="2454481"/>
-            <a:ext cx="726243" cy="174580"/>
+            <a:off x="2821873" y="2698111"/>
+            <a:ext cx="544682" cy="130935"/>
           </a:xfrm>
           <a:prstGeom prst="rect">
             <a:avLst/>
@@ -4712,14 +4703,14 @@
           <a:p>
             <a:pPr algn="ctr"/>
             <a:r>
-              <a:rPr lang="en-US" sz="1050" dirty="0">
+              <a:rPr lang="en-US" sz="788" dirty="0">
                 <a:solidFill>
                   <a:schemeClr val="bg1"/>
                 </a:solidFill>
               </a:rPr>
               <a:t>Prefix</a:t>
             </a:r>
-            <a:endParaRPr lang="en-SG" sz="1050" dirty="0">
+            <a:endParaRPr lang="en-SG" sz="788" dirty="0">
               <a:solidFill>
                 <a:schemeClr val="bg1"/>
               </a:solidFill>
@@ -4735,8 +4726,8 @@
         </p:nvSpPr>
         <p:spPr>
           <a:xfrm>
-            <a:off x="3186326" y="2841725"/>
-            <a:ext cx="731636" cy="283820"/>
+            <a:off x="3532745" y="2988544"/>
+            <a:ext cx="548727" cy="212865"/>
           </a:xfrm>
           <a:prstGeom prst="rect">
             <a:avLst/>
@@ -4777,14 +4768,14 @@
           <a:p>
             <a:pPr algn="ctr"/>
             <a:r>
-              <a:rPr lang="en-SG" sz="1050" dirty="0" err="1">
+              <a:rPr lang="en-SG" sz="788" dirty="0" err="1">
                 <a:solidFill>
                   <a:schemeClr val="bg1"/>
                 </a:solidFill>
               </a:rPr>
               <a:t>CliSyntax</a:t>
             </a:r>
-            <a:endParaRPr lang="en-SG" sz="1050" dirty="0">
+            <a:endParaRPr lang="en-SG" sz="788" dirty="0">
               <a:solidFill>
                 <a:schemeClr val="bg1"/>
               </a:solidFill>
@@ -4800,8 +4791,8 @@
         </p:nvSpPr>
         <p:spPr>
           <a:xfrm>
-            <a:off x="3186326" y="3190882"/>
-            <a:ext cx="731636" cy="283820"/>
+            <a:off x="3532745" y="3250412"/>
+            <a:ext cx="548727" cy="212865"/>
           </a:xfrm>
           <a:prstGeom prst="rect">
             <a:avLst/>
@@ -4842,14 +4833,14 @@
           <a:p>
             <a:pPr algn="ctr"/>
             <a:r>
-              <a:rPr lang="en-SG" sz="1050" dirty="0" err="1">
+              <a:rPr lang="en-SG" sz="788" dirty="0" err="1">
                 <a:solidFill>
                   <a:schemeClr val="bg1"/>
                 </a:solidFill>
               </a:rPr>
               <a:t>ParserUtil</a:t>
             </a:r>
-            <a:endParaRPr lang="en-SG" sz="1050" dirty="0">
+            <a:endParaRPr lang="en-SG" sz="788" dirty="0">
               <a:solidFill>
                 <a:schemeClr val="bg1"/>
               </a:solidFill>
@@ -4869,8 +4860,8 @@
         </p:nvCxnSpPr>
         <p:spPr>
           <a:xfrm rot="10800000">
-            <a:off x="2601618" y="2629061"/>
-            <a:ext cx="584708" cy="354574"/>
+            <a:off x="3094214" y="2829046"/>
+            <a:ext cx="438531" cy="265931"/>
           </a:xfrm>
           <a:prstGeom prst="bentConnector2">
             <a:avLst/>
@@ -4915,8 +4906,8 @@
         </p:nvCxnSpPr>
         <p:spPr>
           <a:xfrm rot="10800000" flipV="1">
-            <a:off x="2601618" y="2036175"/>
-            <a:ext cx="572596" cy="418306"/>
+            <a:off x="3094214" y="2384381"/>
+            <a:ext cx="429447" cy="313730"/>
           </a:xfrm>
           <a:prstGeom prst="bentConnector2">
             <a:avLst/>
@@ -4957,8 +4948,8 @@
         </p:nvGrpSpPr>
         <p:grpSpPr>
           <a:xfrm rot="10800000">
-            <a:off x="4687086" y="3784757"/>
-            <a:ext cx="555486" cy="254462"/>
+            <a:off x="4658314" y="3695818"/>
+            <a:ext cx="416615" cy="190847"/>
             <a:chOff x="3703306" y="644022"/>
             <a:chExt cx="555486" cy="230832"/>
           </a:xfrm>
@@ -4986,7 +4977,7 @@
             <a:lstStyle/>
             <a:p>
               <a:r>
-                <a:rPr lang="en-US" sz="1100" dirty="0">
+                <a:rPr lang="en-US" sz="825" dirty="0">
                   <a:solidFill>
                     <a:schemeClr val="accent5">
                       <a:lumMod val="75000"/>
@@ -4995,7 +4986,7 @@
                 </a:rPr>
                 <a:t>creates</a:t>
               </a:r>
-              <a:endParaRPr lang="en-SG" sz="1100" dirty="0">
+              <a:endParaRPr lang="en-SG" sz="825" dirty="0">
                 <a:solidFill>
                   <a:schemeClr val="accent5">
                     <a:lumMod val="75000"/>
@@ -5049,7 +5040,7 @@
             <a:lstStyle/>
             <a:p>
               <a:pPr algn="ctr"/>
-              <a:endParaRPr lang="en-SG"/>
+              <a:endParaRPr lang="en-SG" sz="1350"/>
             </a:p>
           </p:txBody>
         </p:sp>
@@ -5062,8 +5053,8 @@
         </p:nvSpPr>
         <p:spPr>
           <a:xfrm flipV="1">
-            <a:off x="7227643" y="3980475"/>
-            <a:ext cx="270504" cy="175523"/>
+            <a:off x="6563732" y="3842608"/>
+            <a:ext cx="202878" cy="131642"/>
           </a:xfrm>
           <a:prstGeom prst="triangle">
             <a:avLst/>
@@ -5100,7 +5091,7 @@
           <a:lstStyle/>
           <a:p>
             <a:pPr algn="ctr"/>
-            <a:endParaRPr lang="en-SG" sz="1050" b="1">
+            <a:endParaRPr lang="en-SG" sz="788" b="1">
               <a:solidFill>
                 <a:srgbClr val="92D050"/>
               </a:solidFill>
@@ -5119,8 +5110,8 @@
         </p:nvCxnSpPr>
         <p:spPr>
           <a:xfrm rot="5400000" flipH="1" flipV="1">
-            <a:off x="6916385" y="3533423"/>
-            <a:ext cx="893563" cy="542"/>
+            <a:off x="6330290" y="3507317"/>
+            <a:ext cx="670172" cy="407"/>
           </a:xfrm>
           <a:prstGeom prst="bentConnector3">
             <a:avLst>
@@ -5159,8 +5150,8 @@
         </p:nvCxnSpPr>
         <p:spPr>
           <a:xfrm flipV="1">
-            <a:off x="6066328" y="2913532"/>
-            <a:ext cx="811946" cy="659"/>
+            <a:off x="5692746" y="3042400"/>
+            <a:ext cx="608960" cy="494"/>
           </a:xfrm>
           <a:prstGeom prst="bentConnector3">
             <a:avLst>
@@ -5202,8 +5193,8 @@
         </p:nvSpPr>
         <p:spPr>
           <a:xfrm>
-            <a:off x="3174214" y="2370131"/>
-            <a:ext cx="750156" cy="340758"/>
+            <a:off x="3523661" y="2634848"/>
+            <a:ext cx="562617" cy="255569"/>
           </a:xfrm>
           <a:prstGeom prst="rect">
             <a:avLst/>
@@ -5244,7 +5235,7 @@
           <a:p>
             <a:pPr algn="ctr"/>
             <a:r>
-              <a:rPr lang="en-SG" sz="1050" dirty="0">
+              <a:rPr lang="en-SG" sz="788" dirty="0">
                 <a:solidFill>
                   <a:schemeClr val="bg1"/>
                 </a:solidFill>
@@ -5252,14 +5243,14 @@
               <a:t>Argument</a:t>
             </a:r>
             <a:br>
-              <a:rPr lang="en-SG" sz="1050" dirty="0">
+              <a:rPr lang="en-SG" sz="788" dirty="0">
                 <a:solidFill>
                   <a:schemeClr val="bg1"/>
                 </a:solidFill>
               </a:rPr>
             </a:br>
             <a:r>
-              <a:rPr lang="en-SG" sz="1050" dirty="0">
+              <a:rPr lang="en-SG" sz="788" dirty="0">
                 <a:solidFill>
                   <a:schemeClr val="bg1"/>
                 </a:solidFill>
@@ -5281,8 +5272,8 @@
         </p:nvCxnSpPr>
         <p:spPr>
           <a:xfrm rot="10800000" flipV="1">
-            <a:off x="2964740" y="2540509"/>
-            <a:ext cx="209475" cy="1261"/>
+            <a:off x="3366556" y="2762633"/>
+            <a:ext cx="157106" cy="946"/>
           </a:xfrm>
           <a:prstGeom prst="bentConnector3">
             <a:avLst>
@@ -5329,8 +5320,8 @@
         </p:nvCxnSpPr>
         <p:spPr>
           <a:xfrm rot="5400000">
-            <a:off x="3469242" y="2289605"/>
-            <a:ext cx="160576" cy="476"/>
+            <a:off x="3744932" y="2574454"/>
+            <a:ext cx="120432" cy="357"/>
           </a:xfrm>
           <a:prstGeom prst="bentConnector3">
             <a:avLst>
@@ -5373,8 +5364,8 @@
         </p:nvSpPr>
         <p:spPr>
           <a:xfrm>
-            <a:off x="1295065" y="4183424"/>
-            <a:ext cx="805984" cy="346760"/>
+            <a:off x="2114299" y="3994818"/>
+            <a:ext cx="604488" cy="260070"/>
           </a:xfrm>
           <a:prstGeom prst="rect">
             <a:avLst/>
@@ -5409,7 +5400,7 @@
           <a:p>
             <a:pPr algn="ctr"/>
             <a:r>
-              <a:rPr lang="en-US" sz="1050">
+              <a:rPr lang="en-US" sz="788" dirty="0">
                 <a:solidFill>
                   <a:schemeClr val="bg1"/>
                 </a:solidFill>
@@ -5420,14 +5411,14 @@
           <a:p>
             <a:pPr algn="ctr"/>
             <a:r>
-              <a:rPr lang="en-US" sz="1050" dirty="0">
+              <a:rPr lang="en-US" sz="788" dirty="0">
                 <a:solidFill>
                   <a:schemeClr val="bg1"/>
                 </a:solidFill>
               </a:rPr>
               <a:t>History</a:t>
             </a:r>
-            <a:endParaRPr lang="en-SG" sz="1050" dirty="0">
+            <a:endParaRPr lang="en-SG" sz="788" dirty="0">
               <a:solidFill>
                 <a:schemeClr val="bg1"/>
               </a:solidFill>
@@ -5443,8 +5434,8 @@
         </p:nvCxnSpPr>
         <p:spPr>
           <a:xfrm>
-            <a:off x="1971157" y="3939492"/>
-            <a:ext cx="2022" cy="240622"/>
+            <a:off x="2621368" y="3811869"/>
+            <a:ext cx="1517" cy="180467"/>
           </a:xfrm>
           <a:prstGeom prst="straightConnector1">
             <a:avLst/>
@@ -5481,8 +5472,8 @@
         </p:nvSpPr>
         <p:spPr>
           <a:xfrm>
-            <a:off x="1773980" y="4000395"/>
-            <a:ext cx="131116" cy="230832"/>
+            <a:off x="2473485" y="3857546"/>
+            <a:ext cx="98337" cy="173124"/>
           </a:xfrm>
           <a:prstGeom prst="rect">
             <a:avLst/>
@@ -5497,14 +5488,14 @@
           <a:p>
             <a:pPr algn="r"/>
             <a:r>
-              <a:rPr lang="en-US" sz="1100" dirty="0">
+              <a:rPr lang="en-US" sz="825" dirty="0">
                 <a:solidFill>
                   <a:srgbClr val="0070C0"/>
                 </a:solidFill>
               </a:rPr>
               <a:t>1</a:t>
             </a:r>
-            <a:endParaRPr lang="en-SG" sz="1100" dirty="0">
+            <a:endParaRPr lang="en-SG" sz="825" dirty="0">
               <a:solidFill>
                 <a:srgbClr val="0070C0"/>
               </a:solidFill>
@@ -5517,7 +5508,7 @@
           <p:cNvPr id="97" name="Rectangle 96">
             <a:extLst>
               <a:ext uri="{FF2B5EF4-FFF2-40B4-BE49-F238E27FC236}">
-                <a16:creationId xmlns="" xmlns:a16="http://schemas.microsoft.com/office/drawing/2014/main" id="{AADE6A0C-89AB-467B-8CEA-5FCF36CE0D21}"/>
+                <a16:creationId xmlns:a16="http://schemas.microsoft.com/office/drawing/2014/main" id="{AADE6A0C-89AB-467B-8CEA-5FCF36CE0D21}"/>
               </a:ext>
             </a:extLst>
           </p:cNvPr>
@@ -5526,8 +5517,8 @@
         </p:nvSpPr>
         <p:spPr>
           <a:xfrm flipH="1">
-            <a:off x="5067626" y="1981200"/>
-            <a:ext cx="998702" cy="346760"/>
+            <a:off x="4943719" y="2343150"/>
+            <a:ext cx="749027" cy="260070"/>
           </a:xfrm>
           <a:prstGeom prst="rect">
             <a:avLst/>
@@ -5558,7 +5549,7 @@
           <a:p>
             <a:pPr algn="ctr"/>
             <a:r>
-              <a:rPr lang="en-US" sz="1050" b="1" dirty="0">
+              <a:rPr lang="en-US" sz="788" b="1" dirty="0">
                 <a:solidFill>
                   <a:schemeClr val="bg1"/>
                 </a:solidFill>
@@ -5569,14 +5560,14 @@
           <a:p>
             <a:pPr algn="ctr"/>
             <a:r>
-              <a:rPr lang="en-US" sz="1050" b="1" dirty="0">
+              <a:rPr lang="en-US" sz="788" b="1" dirty="0">
                 <a:solidFill>
                   <a:schemeClr val="bg1"/>
                 </a:solidFill>
               </a:rPr>
               <a:t>Parser</a:t>
             </a:r>
-            <a:endParaRPr lang="en-SG" sz="1050" b="1" dirty="0">
+            <a:endParaRPr lang="en-SG" sz="788" b="1" dirty="0">
               <a:solidFill>
                 <a:schemeClr val="bg1"/>
               </a:solidFill>
@@ -5592,8 +5583,8 @@
         </p:nvSpPr>
         <p:spPr>
           <a:xfrm flipH="1">
-            <a:off x="5431725" y="2327960"/>
-            <a:ext cx="270504" cy="175523"/>
+            <a:off x="5216794" y="2603221"/>
+            <a:ext cx="202878" cy="131642"/>
           </a:xfrm>
           <a:prstGeom prst="triangle">
             <a:avLst/>
@@ -5621,7 +5612,7 @@
           <a:lstStyle/>
           <a:p>
             <a:pPr algn="ctr"/>
-            <a:endParaRPr lang="en-SG" sz="1050" b="1">
+            <a:endParaRPr lang="en-SG" sz="788" b="1">
               <a:solidFill>
                 <a:srgbClr val="92D050"/>
               </a:solidFill>
@@ -5637,8 +5628,8 @@
         </p:nvGrpSpPr>
         <p:grpSpPr>
           <a:xfrm rot="5400000">
-            <a:off x="6371505" y="2788428"/>
-            <a:ext cx="222304" cy="598286"/>
+            <a:off x="5921629" y="2948571"/>
+            <a:ext cx="166728" cy="448715"/>
             <a:chOff x="3965759" y="592436"/>
             <a:chExt cx="254462" cy="503902"/>
           </a:xfrm>
@@ -5666,7 +5657,7 @@
             <a:lstStyle/>
             <a:p>
               <a:r>
-                <a:rPr lang="en-US" sz="1100" dirty="0">
+                <a:rPr lang="en-US" sz="825" dirty="0">
                   <a:solidFill>
                     <a:schemeClr val="accent5">
                       <a:lumMod val="75000"/>
@@ -5675,7 +5666,7 @@
                 </a:rPr>
                 <a:t>creates</a:t>
               </a:r>
-              <a:endParaRPr lang="en-SG" sz="1100" dirty="0">
+              <a:endParaRPr lang="en-SG" sz="825" dirty="0">
                 <a:solidFill>
                   <a:schemeClr val="accent5">
                     <a:lumMod val="75000"/>
@@ -5729,7 +5720,7 @@
             <a:lstStyle/>
             <a:p>
               <a:pPr algn="ctr"/>
-              <a:endParaRPr lang="en-SG"/>
+              <a:endParaRPr lang="en-SG" sz="1350"/>
             </a:p>
           </p:txBody>
         </p:sp>
@@ -5742,8 +5733,8 @@
         </p:nvCxnSpPr>
         <p:spPr>
           <a:xfrm>
-            <a:off x="2893971" y="3687139"/>
-            <a:ext cx="361447" cy="0"/>
+            <a:off x="3313480" y="3622604"/>
+            <a:ext cx="271085" cy="0"/>
           </a:xfrm>
           <a:prstGeom prst="line">
             <a:avLst/>
@@ -5781,8 +5772,8 @@
         </p:nvSpPr>
         <p:spPr>
           <a:xfrm flipH="1">
-            <a:off x="5074342" y="2740811"/>
-            <a:ext cx="991986" cy="346760"/>
+            <a:off x="4948756" y="2912858"/>
+            <a:ext cx="743990" cy="260070"/>
           </a:xfrm>
           <a:prstGeom prst="rect">
             <a:avLst/>
@@ -5815,14 +5806,14 @@
           <a:p>
             <a:pPr algn="ctr"/>
             <a:r>
-              <a:rPr lang="en-US" sz="1050" b="1" dirty="0" err="1" smtClean="0">
+              <a:rPr lang="en-US" sz="788" b="1" dirty="0" err="1">
                 <a:solidFill>
                   <a:schemeClr val="bg1"/>
                 </a:solidFill>
               </a:rPr>
               <a:t>XYZCommand</a:t>
             </a:r>
-            <a:endParaRPr lang="en-US" sz="1050" b="1" dirty="0">
+            <a:endParaRPr lang="en-US" sz="788" b="1" dirty="0">
               <a:solidFill>
                 <a:schemeClr val="bg1"/>
               </a:solidFill>
@@ -5831,14 +5822,14 @@
           <a:p>
             <a:pPr algn="ctr"/>
             <a:r>
-              <a:rPr lang="en-US" sz="1050" b="1" dirty="0">
+              <a:rPr lang="en-US" sz="788" b="1" dirty="0">
                 <a:solidFill>
                   <a:schemeClr val="bg1"/>
                 </a:solidFill>
               </a:rPr>
               <a:t>Parser</a:t>
             </a:r>
-            <a:endParaRPr lang="en-SG" sz="1050" b="1" dirty="0">
+            <a:endParaRPr lang="en-SG" sz="788" b="1" dirty="0">
               <a:solidFill>
                 <a:schemeClr val="bg1"/>
               </a:solidFill>
@@ -5857,8 +5848,8 @@
         </p:nvCxnSpPr>
         <p:spPr>
           <a:xfrm rot="10800000">
-            <a:off x="3917734" y="2058661"/>
-            <a:ext cx="1156608" cy="855530"/>
+            <a:off x="4081301" y="2401246"/>
+            <a:ext cx="867456" cy="641648"/>
           </a:xfrm>
           <a:prstGeom prst="bentConnector3">
             <a:avLst>
@@ -5904,8 +5895,8 @@
         </p:nvCxnSpPr>
         <p:spPr>
           <a:xfrm rot="10800000">
-            <a:off x="3921964" y="2540511"/>
-            <a:ext cx="1152379" cy="373681"/>
+            <a:off x="4084474" y="2762634"/>
+            <a:ext cx="864284" cy="280261"/>
           </a:xfrm>
           <a:prstGeom prst="bentConnector3">
             <a:avLst>
@@ -5951,8 +5942,8 @@
         </p:nvCxnSpPr>
         <p:spPr>
           <a:xfrm rot="10800000" flipV="1">
-            <a:off x="3926192" y="2914191"/>
-            <a:ext cx="1148150" cy="108168"/>
+            <a:off x="4087644" y="3042893"/>
+            <a:ext cx="861113" cy="81126"/>
           </a:xfrm>
           <a:prstGeom prst="bentConnector3">
             <a:avLst>
@@ -5998,8 +5989,8 @@
         </p:nvCxnSpPr>
         <p:spPr>
           <a:xfrm rot="10800000" flipV="1">
-            <a:off x="3930422" y="2914191"/>
-            <a:ext cx="1143921" cy="439870"/>
+            <a:off x="4090818" y="3042893"/>
+            <a:ext cx="857941" cy="329903"/>
           </a:xfrm>
           <a:prstGeom prst="bentConnector3">
             <a:avLst>
@@ -6045,8 +6036,8 @@
         </p:nvCxnSpPr>
         <p:spPr>
           <a:xfrm flipV="1">
-            <a:off x="4300741" y="3087571"/>
-            <a:ext cx="1269594" cy="659673"/>
+            <a:off x="4368556" y="3172929"/>
+            <a:ext cx="952196" cy="494755"/>
           </a:xfrm>
           <a:prstGeom prst="bentConnector2">
             <a:avLst/>
@@ -6088,8 +6079,8 @@
         </p:nvCxnSpPr>
         <p:spPr>
           <a:xfrm rot="16200000" flipH="1">
-            <a:off x="5451193" y="2621669"/>
-            <a:ext cx="234926" cy="3358"/>
+            <a:off x="5231395" y="2823502"/>
+            <a:ext cx="176195" cy="2519"/>
           </a:xfrm>
           <a:prstGeom prst="bentConnector3">
             <a:avLst/>
@@ -6126,11 +6117,13 @@
         </p:nvSpPr>
         <p:spPr>
           <a:xfrm>
-            <a:off x="6263130" y="1981200"/>
-            <a:ext cx="1276614" cy="630473"/>
+            <a:off x="5742004" y="2070160"/>
+            <a:ext cx="1163424" cy="758886"/>
           </a:xfrm>
           <a:prstGeom prst="foldedCorner">
-            <a:avLst/>
+            <a:avLst>
+              <a:gd name="adj" fmla="val 0"/>
+            </a:avLst>
           </a:prstGeom>
           <a:solidFill>
             <a:schemeClr val="accent5">
@@ -6165,7 +6158,7 @@
           <a:p>
             <a:pPr algn="ctr"/>
             <a:r>
-              <a:rPr lang="en-US" sz="1050" dirty="0" err="1" smtClean="0">
+              <a:rPr lang="en-US" sz="788" dirty="0" err="1">
                 <a:solidFill>
                   <a:schemeClr val="bg1"/>
                 </a:solidFill>
@@ -6173,7 +6166,7 @@
               <a:t>XYZCommand</a:t>
             </a:r>
             <a:r>
-              <a:rPr lang="en-US" sz="1050" dirty="0" smtClean="0">
+              <a:rPr lang="en-US" sz="788" dirty="0">
                 <a:solidFill>
                   <a:schemeClr val="bg1"/>
                 </a:solidFill>
@@ -6181,7 +6174,7 @@
               <a:t> = </a:t>
             </a:r>
             <a:r>
-              <a:rPr lang="en-US" sz="1050" dirty="0" err="1" smtClean="0">
+              <a:rPr lang="en-US" sz="788" dirty="0" err="1">
                 <a:solidFill>
                   <a:schemeClr val="bg1"/>
                 </a:solidFill>
@@ -6189,7 +6182,7 @@
               <a:t>AddCommand</a:t>
             </a:r>
             <a:r>
-              <a:rPr lang="en-US" sz="1050" dirty="0" smtClean="0">
+              <a:rPr lang="en-US" sz="788" dirty="0">
                 <a:solidFill>
                   <a:schemeClr val="bg1"/>
                 </a:solidFill>
@@ -6197,7 +6190,7 @@
               <a:t>, </a:t>
             </a:r>
             <a:r>
-              <a:rPr lang="en-US" sz="1050" dirty="0" err="1" smtClean="0">
+              <a:rPr lang="en-US" sz="788" dirty="0" err="1">
                 <a:solidFill>
                   <a:schemeClr val="bg1"/>
                 </a:solidFill>
@@ -6205,18 +6198,45 @@
               <a:t>FindCommand</a:t>
             </a:r>
             <a:r>
-              <a:rPr lang="en-US" sz="1050" dirty="0" smtClean="0">
+              <a:rPr lang="en-US" sz="788" dirty="0">
                 <a:solidFill>
                   <a:schemeClr val="bg1"/>
                 </a:solidFill>
               </a:rPr>
-              <a:t>, etc.</a:t>
-            </a:r>
-            <a:endParaRPr lang="en-US" sz="1050" dirty="0">
-              <a:solidFill>
-                <a:schemeClr val="bg1"/>
-              </a:solidFill>
-            </a:endParaRPr>
+              <a:t>, </a:t>
+            </a:r>
+            <a:r>
+              <a:rPr lang="en-US" sz="788" dirty="0" err="1">
+                <a:solidFill>
+                  <a:schemeClr val="bg1"/>
+                </a:solidFill>
+              </a:rPr>
+              <a:t>AddAccountCommand</a:t>
+            </a:r>
+            <a:r>
+              <a:rPr lang="en-US" sz="788" dirty="0">
+                <a:solidFill>
+                  <a:schemeClr val="bg1"/>
+                </a:solidFill>
+              </a:rPr>
+              <a:t>, </a:t>
+            </a:r>
+            <a:r>
+              <a:rPr lang="en-US" sz="788" dirty="0" err="1">
+                <a:solidFill>
+                  <a:schemeClr val="bg1"/>
+                </a:solidFill>
+              </a:rPr>
+              <a:t>BorrowCommand</a:t>
+            </a:r>
+            <a:r>
+              <a:rPr lang="en-US" sz="788" dirty="0">
+                <a:solidFill>
+                  <a:schemeClr val="bg1"/>
+                </a:solidFill>
+              </a:rPr>
+              <a:t> etc.</a:t>
+            </a:r>
           </a:p>
         </p:txBody>
       </p:sp>
@@ -6228,8 +6248,8 @@
         </p:nvSpPr>
         <p:spPr>
           <a:xfrm>
-            <a:off x="2334221" y="3058789"/>
-            <a:ext cx="758695" cy="346760"/>
+            <a:off x="2893667" y="3151342"/>
+            <a:ext cx="569021" cy="260070"/>
           </a:xfrm>
           <a:prstGeom prst="rect">
             <a:avLst/>
@@ -6264,14 +6284,14 @@
           <a:p>
             <a:pPr algn="ctr"/>
             <a:r>
-              <a:rPr lang="en-US" sz="1050" dirty="0" err="1" smtClean="0">
+              <a:rPr lang="en-US" sz="788" dirty="0" err="1">
                 <a:solidFill>
                   <a:schemeClr val="bg1"/>
                 </a:solidFill>
               </a:rPr>
               <a:t>UndoRedo</a:t>
             </a:r>
-            <a:endParaRPr lang="en-US" sz="1050" dirty="0" smtClean="0">
+            <a:endParaRPr lang="en-US" sz="788" dirty="0">
               <a:solidFill>
                 <a:schemeClr val="bg1"/>
               </a:solidFill>
@@ -6280,14 +6300,14 @@
           <a:p>
             <a:pPr algn="ctr"/>
             <a:r>
-              <a:rPr lang="en-US" sz="1050" dirty="0" smtClean="0">
+              <a:rPr lang="en-US" sz="788" dirty="0">
                 <a:solidFill>
                   <a:schemeClr val="bg1"/>
                 </a:solidFill>
               </a:rPr>
               <a:t>Stack</a:t>
             </a:r>
-            <a:endParaRPr lang="en-SG" sz="1050" dirty="0">
+            <a:endParaRPr lang="en-SG" sz="788" dirty="0">
               <a:solidFill>
                 <a:schemeClr val="bg1"/>
               </a:solidFill>
@@ -6305,8 +6325,8 @@
         </p:nvCxnSpPr>
         <p:spPr>
           <a:xfrm flipV="1">
-            <a:off x="2713568" y="3405549"/>
-            <a:ext cx="1" cy="177981"/>
+            <a:off x="3178177" y="3411413"/>
+            <a:ext cx="1" cy="133486"/>
           </a:xfrm>
           <a:prstGeom prst="straightConnector1">
             <a:avLst/>
@@ -6343,8 +6363,8 @@
         </p:nvSpPr>
         <p:spPr>
           <a:xfrm>
-            <a:off x="2724741" y="3418256"/>
-            <a:ext cx="131116" cy="230832"/>
+            <a:off x="3186556" y="3420942"/>
+            <a:ext cx="98337" cy="173124"/>
           </a:xfrm>
           <a:prstGeom prst="rect">
             <a:avLst/>
@@ -6359,14 +6379,14 @@
           <a:p>
             <a:pPr algn="r"/>
             <a:r>
-              <a:rPr lang="en-US" sz="1100" dirty="0">
+              <a:rPr lang="en-US" sz="825" dirty="0">
                 <a:solidFill>
                   <a:srgbClr val="0070C0"/>
                 </a:solidFill>
               </a:rPr>
               <a:t>1</a:t>
             </a:r>
-            <a:endParaRPr lang="en-SG" sz="1100" dirty="0">
+            <a:endParaRPr lang="en-SG" sz="825" dirty="0">
               <a:solidFill>
                 <a:srgbClr val="0070C0"/>
               </a:solidFill>
@@ -6377,7 +6397,7 @@
     </p:spTree>
     <p:extLst>
       <p:ext uri="{BB962C8B-B14F-4D97-AF65-F5344CB8AC3E}">
-        <p14:creationId xmlns:p14="http://schemas.microsoft.com/office/powerpoint/2010/main" val="211586602"/>
+        <p14:creationId xmlns:p14="http://schemas.microsoft.com/office/powerpoint/2010/main" val="1634471041"/>
       </p:ext>
     </p:extLst>
   </p:cSld>

--- a/docs/diagrams/LogicComponentClassDiagram.pptx
+++ b/docs/diagrams/LogicComponentClassDiagram.pptx
@@ -126,10 +126,6 @@
 </p:presentation>
 </file>
 
-<file path=ppt/revisionInfo.xml><?xml version="1.0" encoding="utf-8"?>
-<p1510:revInfo xmlns:a="http://schemas.openxmlformats.org/drawingml/2006/main" xmlns:r="http://schemas.openxmlformats.org/officeDocument/2006/relationships" xmlns:p1510="http://schemas.microsoft.com/office/powerpoint/2015/10/main"/>
-</file>
-
 <file path=ppt/notesMasters/notesMaster1.xml><?xml version="1.0" encoding="utf-8"?>
 <p:notesMaster xmlns:a="http://schemas.openxmlformats.org/drawingml/2006/main" xmlns:r="http://schemas.openxmlformats.org/officeDocument/2006/relationships" xmlns:p="http://schemas.openxmlformats.org/presentationml/2006/main">
   <p:cSld>
@@ -212,7 +208,7 @@
           <a:p>
             <a:fld id="{F5CC4B3F-88C1-4FFA-B1B6-F41C21DC6924}" type="datetimeFigureOut">
               <a:rPr lang="en-US" smtClean="0"/>
-              <a:t>7/20/17</a:t>
+              <a:t>4/15/2018</a:t>
             </a:fld>
             <a:endParaRPr lang="en-US"/>
           </a:p>
@@ -658,7 +654,7 @@
           <a:p>
             <a:fld id="{78C97017-6FC3-485B-9764-EAC9E56C1D49}" type="datetimeFigureOut">
               <a:rPr lang="en-US" smtClean="0"/>
-              <a:t>7/20/17</a:t>
+              <a:t>4/15/2018</a:t>
             </a:fld>
             <a:endParaRPr lang="en-US"/>
           </a:p>
@@ -826,7 +822,7 @@
           <a:p>
             <a:fld id="{78C97017-6FC3-485B-9764-EAC9E56C1D49}" type="datetimeFigureOut">
               <a:rPr lang="en-US" smtClean="0"/>
-              <a:t>7/20/17</a:t>
+              <a:t>4/15/2018</a:t>
             </a:fld>
             <a:endParaRPr lang="en-US"/>
           </a:p>
@@ -1004,7 +1000,7 @@
           <a:p>
             <a:fld id="{78C97017-6FC3-485B-9764-EAC9E56C1D49}" type="datetimeFigureOut">
               <a:rPr lang="en-US" smtClean="0"/>
-              <a:t>7/20/17</a:t>
+              <a:t>4/15/2018</a:t>
             </a:fld>
             <a:endParaRPr lang="en-US"/>
           </a:p>
@@ -1172,7 +1168,7 @@
           <a:p>
             <a:fld id="{78C97017-6FC3-485B-9764-EAC9E56C1D49}" type="datetimeFigureOut">
               <a:rPr lang="en-US" smtClean="0"/>
-              <a:t>7/20/17</a:t>
+              <a:t>4/15/2018</a:t>
             </a:fld>
             <a:endParaRPr lang="en-US"/>
           </a:p>
@@ -1417,7 +1413,7 @@
           <a:p>
             <a:fld id="{78C97017-6FC3-485B-9764-EAC9E56C1D49}" type="datetimeFigureOut">
               <a:rPr lang="en-US" smtClean="0"/>
-              <a:t>7/20/17</a:t>
+              <a:t>4/15/2018</a:t>
             </a:fld>
             <a:endParaRPr lang="en-US"/>
           </a:p>
@@ -1702,7 +1698,7 @@
           <a:p>
             <a:fld id="{78C97017-6FC3-485B-9764-EAC9E56C1D49}" type="datetimeFigureOut">
               <a:rPr lang="en-US" smtClean="0"/>
-              <a:t>7/20/17</a:t>
+              <a:t>4/15/2018</a:t>
             </a:fld>
             <a:endParaRPr lang="en-US"/>
           </a:p>
@@ -2121,7 +2117,7 @@
           <a:p>
             <a:fld id="{78C97017-6FC3-485B-9764-EAC9E56C1D49}" type="datetimeFigureOut">
               <a:rPr lang="en-US" smtClean="0"/>
-              <a:t>7/20/17</a:t>
+              <a:t>4/15/2018</a:t>
             </a:fld>
             <a:endParaRPr lang="en-US"/>
           </a:p>
@@ -2238,7 +2234,7 @@
           <a:p>
             <a:fld id="{78C97017-6FC3-485B-9764-EAC9E56C1D49}" type="datetimeFigureOut">
               <a:rPr lang="en-US" smtClean="0"/>
-              <a:t>7/20/17</a:t>
+              <a:t>4/15/2018</a:t>
             </a:fld>
             <a:endParaRPr lang="en-US"/>
           </a:p>
@@ -2333,7 +2329,7 @@
           <a:p>
             <a:fld id="{78C97017-6FC3-485B-9764-EAC9E56C1D49}" type="datetimeFigureOut">
               <a:rPr lang="en-US" smtClean="0"/>
-              <a:t>7/20/17</a:t>
+              <a:t>4/15/2018</a:t>
             </a:fld>
             <a:endParaRPr lang="en-US"/>
           </a:p>
@@ -2608,7 +2604,7 @@
           <a:p>
             <a:fld id="{78C97017-6FC3-485B-9764-EAC9E56C1D49}" type="datetimeFigureOut">
               <a:rPr lang="en-US" smtClean="0"/>
-              <a:t>7/20/17</a:t>
+              <a:t>4/15/2018</a:t>
             </a:fld>
             <a:endParaRPr lang="en-US"/>
           </a:p>
@@ -2860,7 +2856,7 @@
           <a:p>
             <a:fld id="{78C97017-6FC3-485B-9764-EAC9E56C1D49}" type="datetimeFigureOut">
               <a:rPr lang="en-US" smtClean="0"/>
-              <a:t>7/20/17</a:t>
+              <a:t>4/15/2018</a:t>
             </a:fld>
             <a:endParaRPr lang="en-US"/>
           </a:p>
@@ -3071,7 +3067,7 @@
           <a:p>
             <a:fld id="{78C97017-6FC3-485B-9764-EAC9E56C1D49}" type="datetimeFigureOut">
               <a:rPr lang="en-US" smtClean="0"/>
-              <a:t>7/20/17</a:t>
+              <a:t>4/15/2018</a:t>
             </a:fld>
             <a:endParaRPr lang="en-US"/>
           </a:p>
@@ -3607,7 +3603,7 @@
           <a:p>
             <a:pPr algn="ctr"/>
             <a:r>
-              <a:rPr lang="en-US" sz="1050" b="1" dirty="0" err="1" smtClean="0">
+              <a:rPr lang="en-US" sz="1050" b="1" dirty="0" err="1">
                 <a:solidFill>
                   <a:srgbClr val="0070C0"/>
                 </a:solidFill>
@@ -3939,18 +3935,13 @@
           <a:p>
             <a:pPr algn="ctr"/>
             <a:r>
-              <a:rPr lang="en-US" sz="1050" dirty="0" err="1" smtClean="0">
+              <a:rPr lang="en-US" sz="1050" dirty="0">
                 <a:solidFill>
                   <a:schemeClr val="bg1"/>
                 </a:solidFill>
               </a:rPr>
-              <a:t>AddressBook</a:t>
-            </a:r>
-            <a:endParaRPr lang="en-US" sz="1050" dirty="0">
-              <a:solidFill>
-                <a:schemeClr val="bg1"/>
-              </a:solidFill>
-            </a:endParaRPr>
+              <a:t>Catalogue</a:t>
+            </a:r>
           </a:p>
           <a:p>
             <a:pPr algn="ctr"/>
@@ -5517,7 +5508,7 @@
           <p:cNvPr id="97" name="Rectangle 96">
             <a:extLst>
               <a:ext uri="{FF2B5EF4-FFF2-40B4-BE49-F238E27FC236}">
-                <a16:creationId xmlns="" xmlns:a16="http://schemas.microsoft.com/office/drawing/2014/main" id="{AADE6A0C-89AB-467B-8CEA-5FCF36CE0D21}"/>
+                <a16:creationId xmlns:a16="http://schemas.microsoft.com/office/drawing/2014/main" id="{AADE6A0C-89AB-467B-8CEA-5FCF36CE0D21}"/>
               </a:ext>
             </a:extLst>
           </p:cNvPr>
@@ -5815,7 +5806,7 @@
           <a:p>
             <a:pPr algn="ctr"/>
             <a:r>
-              <a:rPr lang="en-US" sz="1050" b="1" dirty="0" err="1" smtClean="0">
+              <a:rPr lang="en-US" sz="1050" b="1" dirty="0" err="1">
                 <a:solidFill>
                   <a:schemeClr val="bg1"/>
                 </a:solidFill>
@@ -6165,7 +6156,7 @@
           <a:p>
             <a:pPr algn="ctr"/>
             <a:r>
-              <a:rPr lang="en-US" sz="1050" dirty="0" err="1" smtClean="0">
+              <a:rPr lang="en-US" sz="1050" dirty="0" err="1">
                 <a:solidFill>
                   <a:schemeClr val="bg1"/>
                 </a:solidFill>
@@ -6173,7 +6164,7 @@
               <a:t>XYZCommand</a:t>
             </a:r>
             <a:r>
-              <a:rPr lang="en-US" sz="1050" dirty="0" smtClean="0">
+              <a:rPr lang="en-US" sz="1050" dirty="0">
                 <a:solidFill>
                   <a:schemeClr val="bg1"/>
                 </a:solidFill>
@@ -6181,7 +6172,7 @@
               <a:t> = </a:t>
             </a:r>
             <a:r>
-              <a:rPr lang="en-US" sz="1050" dirty="0" err="1" smtClean="0">
+              <a:rPr lang="en-US" sz="1050" dirty="0" err="1">
                 <a:solidFill>
                   <a:schemeClr val="bg1"/>
                 </a:solidFill>
@@ -6189,7 +6180,7 @@
               <a:t>AddCommand</a:t>
             </a:r>
             <a:r>
-              <a:rPr lang="en-US" sz="1050" dirty="0" smtClean="0">
+              <a:rPr lang="en-US" sz="1050" dirty="0">
                 <a:solidFill>
                   <a:schemeClr val="bg1"/>
                 </a:solidFill>
@@ -6197,7 +6188,7 @@
               <a:t>, </a:t>
             </a:r>
             <a:r>
-              <a:rPr lang="en-US" sz="1050" dirty="0" err="1" smtClean="0">
+              <a:rPr lang="en-US" sz="1050" dirty="0" err="1">
                 <a:solidFill>
                   <a:schemeClr val="bg1"/>
                 </a:solidFill>
@@ -6205,18 +6196,13 @@
               <a:t>FindCommand</a:t>
             </a:r>
             <a:r>
-              <a:rPr lang="en-US" sz="1050" dirty="0" smtClean="0">
+              <a:rPr lang="en-US" sz="1050" dirty="0">
                 <a:solidFill>
                   <a:schemeClr val="bg1"/>
                 </a:solidFill>
               </a:rPr>
               <a:t>, etc.</a:t>
             </a:r>
-            <a:endParaRPr lang="en-US" sz="1050" dirty="0">
-              <a:solidFill>
-                <a:schemeClr val="bg1"/>
-              </a:solidFill>
-            </a:endParaRPr>
           </a:p>
         </p:txBody>
       </p:sp>
@@ -6264,14 +6250,14 @@
           <a:p>
             <a:pPr algn="ctr"/>
             <a:r>
-              <a:rPr lang="en-US" sz="1050" dirty="0" err="1" smtClean="0">
+              <a:rPr lang="en-US" sz="1050" dirty="0" err="1">
                 <a:solidFill>
                   <a:schemeClr val="bg1"/>
                 </a:solidFill>
               </a:rPr>
               <a:t>UndoRedo</a:t>
             </a:r>
-            <a:endParaRPr lang="en-US" sz="1050" dirty="0" smtClean="0">
+            <a:endParaRPr lang="en-US" sz="1050" dirty="0">
               <a:solidFill>
                 <a:schemeClr val="bg1"/>
               </a:solidFill>
@@ -6280,7 +6266,7 @@
           <a:p>
             <a:pPr algn="ctr"/>
             <a:r>
-              <a:rPr lang="en-US" sz="1050" dirty="0" smtClean="0">
+              <a:rPr lang="en-US" sz="1050" dirty="0">
                 <a:solidFill>
                   <a:schemeClr val="bg1"/>
                 </a:solidFill>

--- a/docs/diagrams/LogicComponentClassDiagram.pptx
+++ b/docs/diagrams/LogicComponentClassDiagram.pptx
@@ -8,7 +8,7 @@
     <p:notesMasterId r:id="rId3"/>
   </p:notesMasterIdLst>
   <p:sldIdLst>
-    <p:sldId id="262" r:id="rId2"/>
+    <p:sldId id="259" r:id="rId2"/>
   </p:sldIdLst>
   <p:sldSz cx="9144000" cy="6858000" type="screen4x3"/>
   <p:notesSz cx="6858000" cy="9144000"/>
@@ -3450,8 +3450,8 @@
         </p:nvSpPr>
         <p:spPr>
           <a:xfrm>
-            <a:off x="1066800" y="914400"/>
-            <a:ext cx="7084740" cy="3733800"/>
+            <a:off x="1943100" y="1543050"/>
+            <a:ext cx="5313555" cy="2800350"/>
           </a:xfrm>
           <a:prstGeom prst="roundRect">
             <a:avLst>
@@ -3488,14 +3488,14 @@
           <a:lstStyle/>
           <a:p>
             <a:r>
-              <a:rPr lang="en-US" sz="1200" b="1" dirty="0">
+              <a:rPr lang="en-US" sz="900" b="1" dirty="0">
                 <a:solidFill>
                   <a:srgbClr val="0070C0"/>
                 </a:solidFill>
               </a:rPr>
               <a:t>Logic</a:t>
             </a:r>
-            <a:endParaRPr lang="en-SG" sz="1200" b="1" dirty="0">
+            <a:endParaRPr lang="en-SG" sz="900" b="1" dirty="0">
               <a:solidFill>
                 <a:srgbClr val="0070C0"/>
               </a:solidFill>
@@ -3511,8 +3511,8 @@
         </p:nvSpPr>
         <p:spPr>
           <a:xfrm>
-            <a:off x="2095948" y="1253067"/>
-            <a:ext cx="1093635" cy="346760"/>
+            <a:off x="2714962" y="1797050"/>
+            <a:ext cx="820226" cy="260070"/>
           </a:xfrm>
           <a:prstGeom prst="rect">
             <a:avLst/>
@@ -3547,14 +3547,14 @@
           <a:p>
             <a:pPr algn="ctr"/>
             <a:r>
-              <a:rPr lang="en-US" sz="1050" dirty="0" err="1">
+              <a:rPr lang="en-US" sz="788" dirty="0" err="1">
                 <a:solidFill>
                   <a:schemeClr val="bg1"/>
                 </a:solidFill>
               </a:rPr>
               <a:t>CommandResult</a:t>
             </a:r>
-            <a:endParaRPr lang="en-SG" sz="1050" dirty="0">
+            <a:endParaRPr lang="en-SG" sz="788" dirty="0">
               <a:solidFill>
                 <a:schemeClr val="bg1"/>
               </a:solidFill>
@@ -3570,8 +3570,8 @@
         </p:nvSpPr>
         <p:spPr>
           <a:xfrm flipH="1">
-            <a:off x="6878274" y="2740152"/>
-            <a:ext cx="970326" cy="346760"/>
+            <a:off x="6301705" y="2912364"/>
+            <a:ext cx="727745" cy="260070"/>
           </a:xfrm>
           <a:prstGeom prst="rect">
             <a:avLst/>
@@ -3603,14 +3603,14 @@
           <a:p>
             <a:pPr algn="ctr"/>
             <a:r>
-              <a:rPr lang="en-US" sz="1050" b="1" dirty="0" err="1">
+              <a:rPr lang="en-US" sz="788" b="1" dirty="0" err="1">
                 <a:solidFill>
                   <a:srgbClr val="0070C0"/>
                 </a:solidFill>
               </a:rPr>
               <a:t>XYZCommand</a:t>
             </a:r>
-            <a:endParaRPr lang="en-SG" sz="1050" b="1" dirty="0">
+            <a:endParaRPr lang="en-SG" sz="788" b="1" dirty="0">
               <a:solidFill>
                 <a:srgbClr val="0070C0"/>
               </a:solidFill>
@@ -3626,8 +3626,8 @@
         </p:nvSpPr>
         <p:spPr>
           <a:xfrm>
-            <a:off x="1782495" y="3583530"/>
-            <a:ext cx="1093635" cy="346760"/>
+            <a:off x="2479873" y="3544898"/>
+            <a:ext cx="820226" cy="260070"/>
           </a:xfrm>
           <a:prstGeom prst="rect">
             <a:avLst/>
@@ -3662,14 +3662,14 @@
           <a:p>
             <a:pPr algn="ctr"/>
             <a:r>
-              <a:rPr lang="en-US" sz="1050" dirty="0" err="1">
+              <a:rPr lang="en-US" sz="788" dirty="0" err="1">
                 <a:solidFill>
                   <a:schemeClr val="bg1"/>
                 </a:solidFill>
               </a:rPr>
               <a:t>LogicManager</a:t>
             </a:r>
-            <a:endParaRPr lang="en-SG" sz="1050" dirty="0">
+            <a:endParaRPr lang="en-SG" sz="788" dirty="0">
               <a:solidFill>
                 <a:schemeClr val="bg1"/>
               </a:solidFill>
@@ -3688,8 +3688,8 @@
         </p:nvCxnSpPr>
         <p:spPr>
           <a:xfrm flipH="1" flipV="1">
-            <a:off x="3189583" y="1426447"/>
-            <a:ext cx="4559332" cy="2895973"/>
+            <a:off x="3535187" y="1927086"/>
+            <a:ext cx="3419499" cy="2171980"/>
           </a:xfrm>
           <a:prstGeom prst="bentConnector3">
             <a:avLst>
@@ -3731,8 +3731,8 @@
         </p:nvCxnSpPr>
         <p:spPr>
           <a:xfrm>
-            <a:off x="1676400" y="1423587"/>
-            <a:ext cx="419548" cy="2860"/>
+            <a:off x="2400300" y="1924940"/>
+            <a:ext cx="314661" cy="2145"/>
           </a:xfrm>
           <a:prstGeom prst="bentConnector3">
             <a:avLst>
@@ -3772,8 +3772,8 @@
         </p:nvSpPr>
         <p:spPr>
           <a:xfrm>
-            <a:off x="1103085" y="4777355"/>
-            <a:ext cx="7050315" cy="328045"/>
+            <a:off x="1970315" y="4440267"/>
+            <a:ext cx="5287736" cy="246034"/>
           </a:xfrm>
           <a:prstGeom prst="roundRect">
             <a:avLst/>
@@ -3809,14 +3809,14 @@
           <a:p>
             <a:pPr algn="ctr"/>
             <a:r>
-              <a:rPr lang="en-US" sz="1100" b="1" dirty="0">
+              <a:rPr lang="en-US" sz="825" b="1" dirty="0">
                 <a:solidFill>
                   <a:schemeClr val="bg1"/>
                 </a:solidFill>
               </a:rPr>
               <a:t>Model</a:t>
             </a:r>
-            <a:endParaRPr lang="en-SG" sz="1100" b="1" dirty="0">
+            <a:endParaRPr lang="en-SG" sz="825" b="1" dirty="0">
               <a:solidFill>
                 <a:schemeClr val="bg1"/>
               </a:solidFill>
@@ -3832,8 +3832,8 @@
         </p:nvSpPr>
         <p:spPr>
           <a:xfrm>
-            <a:off x="6976872" y="4149040"/>
-            <a:ext cx="772043" cy="346760"/>
+            <a:off x="6375655" y="3969030"/>
+            <a:ext cx="579032" cy="260070"/>
           </a:xfrm>
           <a:prstGeom prst="rect">
             <a:avLst/>
@@ -3865,7 +3865,7 @@
           <a:p>
             <a:pPr algn="ctr"/>
             <a:r>
-              <a:rPr lang="en-US" sz="1050" b="1" dirty="0">
+              <a:rPr lang="en-US" sz="788" b="1" dirty="0">
                 <a:solidFill>
                   <a:srgbClr val="0070C0"/>
                 </a:solidFill>
@@ -3873,21 +3873,21 @@
               <a:t>{abstract}</a:t>
             </a:r>
             <a:br>
-              <a:rPr lang="en-US" sz="1050" b="1" dirty="0">
+              <a:rPr lang="en-US" sz="788" b="1" dirty="0">
                 <a:solidFill>
                   <a:srgbClr val="0070C0"/>
                 </a:solidFill>
               </a:rPr>
             </a:br>
             <a:r>
-              <a:rPr lang="en-US" sz="1050" b="1" dirty="0">
+              <a:rPr lang="en-US" sz="788" b="1" dirty="0">
                 <a:solidFill>
                   <a:srgbClr val="0070C0"/>
                 </a:solidFill>
               </a:rPr>
               <a:t>Command</a:t>
             </a:r>
-            <a:endParaRPr lang="en-SG" sz="1050" b="1" dirty="0">
+            <a:endParaRPr lang="en-SG" sz="788" b="1" dirty="0">
               <a:solidFill>
                 <a:srgbClr val="0070C0"/>
               </a:solidFill>
@@ -3903,8 +3903,8 @@
         </p:nvSpPr>
         <p:spPr>
           <a:xfrm>
-            <a:off x="3255418" y="3554995"/>
-            <a:ext cx="1045323" cy="384497"/>
+            <a:off x="3584565" y="3523497"/>
+            <a:ext cx="783992" cy="288373"/>
           </a:xfrm>
           <a:prstGeom prst="rect">
             <a:avLst/>
@@ -3935,7 +3935,7 @@
           <a:p>
             <a:pPr algn="ctr"/>
             <a:r>
-              <a:rPr lang="en-US" sz="1050" dirty="0">
+              <a:rPr lang="en-US" sz="788" dirty="0">
                 <a:solidFill>
                   <a:schemeClr val="bg1"/>
                 </a:solidFill>
@@ -3946,14 +3946,14 @@
           <a:p>
             <a:pPr algn="ctr"/>
             <a:r>
-              <a:rPr lang="en-US" sz="1050" dirty="0">
+              <a:rPr lang="en-US" sz="788" dirty="0">
                 <a:solidFill>
                   <a:schemeClr val="bg1"/>
                 </a:solidFill>
               </a:rPr>
               <a:t>Parser</a:t>
             </a:r>
-            <a:endParaRPr lang="en-SG" sz="1050" dirty="0">
+            <a:endParaRPr lang="en-SG" sz="788" dirty="0">
               <a:solidFill>
                 <a:schemeClr val="bg1"/>
               </a:solidFill>
@@ -3971,8 +3971,8 @@
         </p:nvCxnSpPr>
         <p:spPr>
           <a:xfrm>
-            <a:off x="7362894" y="4495800"/>
-            <a:ext cx="0" cy="281555"/>
+            <a:off x="6665171" y="4229101"/>
+            <a:ext cx="0" cy="211166"/>
           </a:xfrm>
           <a:prstGeom prst="straightConnector1">
             <a:avLst/>
@@ -4010,8 +4010,8 @@
         </p:nvSpPr>
         <p:spPr>
           <a:xfrm rot="16200000">
-            <a:off x="398120" y="2150720"/>
-            <a:ext cx="2209800" cy="346760"/>
+            <a:off x="1441590" y="2470290"/>
+            <a:ext cx="1657350" cy="260070"/>
           </a:xfrm>
           <a:prstGeom prst="rect">
             <a:avLst/>
@@ -4046,7 +4046,7 @@
           <a:p>
             <a:pPr algn="ctr"/>
             <a:r>
-              <a:rPr lang="en-US" sz="1050" dirty="0">
+              <a:rPr lang="en-US" sz="788" dirty="0">
                 <a:solidFill>
                   <a:schemeClr val="bg1"/>
                 </a:solidFill>
@@ -4057,14 +4057,14 @@
           <a:p>
             <a:pPr algn="ctr"/>
             <a:r>
-              <a:rPr lang="en-US" sz="1050" dirty="0">
+              <a:rPr lang="en-US" sz="788" dirty="0">
                 <a:solidFill>
                   <a:schemeClr val="bg1"/>
                 </a:solidFill>
               </a:rPr>
               <a:t>Logic</a:t>
             </a:r>
-            <a:endParaRPr lang="en-SG" sz="1050" dirty="0">
+            <a:endParaRPr lang="en-SG" sz="788" dirty="0">
               <a:solidFill>
                 <a:schemeClr val="bg1"/>
               </a:solidFill>
@@ -4080,8 +4080,8 @@
         </p:nvSpPr>
         <p:spPr>
           <a:xfrm>
-            <a:off x="1359039" y="3429000"/>
-            <a:ext cx="270504" cy="175523"/>
+            <a:off x="2162279" y="3429001"/>
+            <a:ext cx="202878" cy="131642"/>
           </a:xfrm>
           <a:prstGeom prst="triangle">
             <a:avLst/>
@@ -4118,7 +4118,7 @@
           <a:lstStyle/>
           <a:p>
             <a:pPr algn="ctr"/>
-            <a:endParaRPr lang="en-SG" sz="1050" b="1">
+            <a:endParaRPr lang="en-SG" sz="788" b="1">
               <a:solidFill>
                 <a:srgbClr val="92D050"/>
               </a:solidFill>
@@ -4137,8 +4137,8 @@
         </p:nvCxnSpPr>
         <p:spPr>
           <a:xfrm rot="10800000">
-            <a:off x="1494291" y="3604524"/>
-            <a:ext cx="288204" cy="152387"/>
+            <a:off x="2263718" y="3560644"/>
+            <a:ext cx="216153" cy="114290"/>
           </a:xfrm>
           <a:prstGeom prst="bentConnector2">
             <a:avLst/>
@@ -4178,8 +4178,8 @@
         </p:nvCxnSpPr>
         <p:spPr>
           <a:xfrm>
-            <a:off x="2329313" y="3930290"/>
-            <a:ext cx="1376" cy="854841"/>
+            <a:off x="2889985" y="3804969"/>
+            <a:ext cx="1032" cy="641131"/>
           </a:xfrm>
           <a:prstGeom prst="straightConnector1">
             <a:avLst/>
@@ -4216,8 +4216,8 @@
         </p:nvCxnSpPr>
         <p:spPr>
           <a:xfrm>
-            <a:off x="893311" y="2832505"/>
-            <a:ext cx="419548" cy="2860"/>
+            <a:off x="1812983" y="2981629"/>
+            <a:ext cx="314661" cy="2145"/>
           </a:xfrm>
           <a:prstGeom prst="bentConnector3">
             <a:avLst>
@@ -4261,8 +4261,8 @@
         </p:nvCxnSpPr>
         <p:spPr>
           <a:xfrm>
-            <a:off x="2281833" y="3939492"/>
-            <a:ext cx="4695039" cy="382928"/>
+            <a:off x="2854376" y="3811869"/>
+            <a:ext cx="3521279" cy="287196"/>
           </a:xfrm>
           <a:prstGeom prst="bentConnector3">
             <a:avLst>
@@ -4302,8 +4302,8 @@
         </p:nvGrpSpPr>
         <p:grpSpPr>
           <a:xfrm>
-            <a:off x="4597400" y="4341168"/>
-            <a:ext cx="889000" cy="230832"/>
+            <a:off x="4591050" y="4113126"/>
+            <a:ext cx="666750" cy="173124"/>
             <a:chOff x="2895600" y="807932"/>
             <a:chExt cx="889000" cy="230832"/>
           </a:xfrm>
@@ -4332,14 +4332,14 @@
             <a:p>
               <a:pPr algn="r"/>
               <a:r>
-                <a:rPr lang="en-US" sz="1100" dirty="0">
+                <a:rPr lang="en-US" sz="825" dirty="0">
                   <a:solidFill>
                     <a:srgbClr val="0070C0"/>
                   </a:solidFill>
                 </a:rPr>
                 <a:t>executes</a:t>
               </a:r>
-              <a:endParaRPr lang="en-SG" sz="1100" dirty="0">
+              <a:endParaRPr lang="en-SG" sz="825" dirty="0">
                 <a:solidFill>
                   <a:srgbClr val="0070C0"/>
                 </a:solidFill>
@@ -4389,7 +4389,7 @@
             <a:lstStyle/>
             <a:p>
               <a:pPr algn="ctr"/>
-              <a:endParaRPr lang="en-SG"/>
+              <a:endParaRPr lang="en-SG" sz="1350"/>
             </a:p>
           </p:txBody>
         </p:sp>
@@ -4402,8 +4402,8 @@
         </p:nvGrpSpPr>
         <p:grpSpPr>
           <a:xfrm>
-            <a:off x="4665110" y="1219200"/>
-            <a:ext cx="868568" cy="230832"/>
+            <a:off x="4641833" y="1771650"/>
+            <a:ext cx="651426" cy="173124"/>
             <a:chOff x="2755838" y="789460"/>
             <a:chExt cx="868568" cy="230832"/>
           </a:xfrm>
@@ -4431,14 +4431,14 @@
             <a:lstStyle/>
             <a:p>
               <a:r>
-                <a:rPr lang="en-US" sz="1100" dirty="0">
+                <a:rPr lang="en-US" sz="825" dirty="0">
                   <a:solidFill>
                     <a:srgbClr val="0070C0"/>
                   </a:solidFill>
                 </a:rPr>
                 <a:t>produces</a:t>
               </a:r>
-              <a:endParaRPr lang="en-SG" sz="1100" dirty="0">
+              <a:endParaRPr lang="en-SG" sz="825" dirty="0">
                 <a:solidFill>
                   <a:srgbClr val="0070C0"/>
                 </a:solidFill>
@@ -4488,7 +4488,7 @@
             <a:lstStyle/>
             <a:p>
               <a:pPr algn="ctr"/>
-              <a:endParaRPr lang="en-SG"/>
+              <a:endParaRPr lang="en-SG" sz="1350"/>
             </a:p>
           </p:txBody>
         </p:sp>
@@ -4501,8 +4501,8 @@
         </p:nvSpPr>
         <p:spPr>
           <a:xfrm>
-            <a:off x="3048000" y="3733800"/>
-            <a:ext cx="131116" cy="230832"/>
+            <a:off x="3429000" y="3657600"/>
+            <a:ext cx="98337" cy="173124"/>
           </a:xfrm>
           <a:prstGeom prst="rect">
             <a:avLst/>
@@ -4517,14 +4517,14 @@
           <a:p>
             <a:pPr algn="r"/>
             <a:r>
-              <a:rPr lang="en-US" sz="1100" dirty="0">
+              <a:rPr lang="en-US" sz="825" dirty="0">
                 <a:solidFill>
                   <a:srgbClr val="0070C0"/>
                 </a:solidFill>
               </a:rPr>
               <a:t>1</a:t>
             </a:r>
-            <a:endParaRPr lang="en-SG" sz="1100" dirty="0">
+            <a:endParaRPr lang="en-SG" sz="825" dirty="0">
               <a:solidFill>
                 <a:srgbClr val="0070C0"/>
               </a:solidFill>
@@ -4540,8 +4540,8 @@
         </p:nvCxnSpPr>
         <p:spPr>
           <a:xfrm rot="5400000" flipH="1" flipV="1">
-            <a:off x="1193276" y="2601868"/>
-            <a:ext cx="1969553" cy="2764"/>
+            <a:off x="2037958" y="2808651"/>
+            <a:ext cx="1477165" cy="2073"/>
           </a:xfrm>
           <a:prstGeom prst="bentConnector3">
             <a:avLst>
@@ -4581,8 +4581,8 @@
         </p:nvSpPr>
         <p:spPr>
           <a:xfrm>
-            <a:off x="3174214" y="1862795"/>
-            <a:ext cx="751107" cy="346760"/>
+            <a:off x="3523662" y="2254346"/>
+            <a:ext cx="563330" cy="260070"/>
           </a:xfrm>
           <a:prstGeom prst="rect">
             <a:avLst/>
@@ -4623,7 +4623,7 @@
           <a:p>
             <a:pPr algn="ctr"/>
             <a:r>
-              <a:rPr lang="en-US" sz="1050">
+              <a:rPr lang="en-US" sz="788">
                 <a:solidFill>
                   <a:schemeClr val="bg1"/>
                 </a:solidFill>
@@ -4631,21 +4631,21 @@
               <a:t>Argument</a:t>
             </a:r>
             <a:br>
-              <a:rPr lang="en-US" sz="1050">
+              <a:rPr lang="en-US" sz="788">
                 <a:solidFill>
                   <a:schemeClr val="bg1"/>
                 </a:solidFill>
               </a:rPr>
             </a:br>
             <a:r>
-              <a:rPr lang="en-US" sz="1050">
+              <a:rPr lang="en-US" sz="788">
                 <a:solidFill>
                   <a:schemeClr val="bg1"/>
                 </a:solidFill>
               </a:rPr>
               <a:t>Tokenizer</a:t>
             </a:r>
-            <a:endParaRPr lang="en-SG" sz="1050" dirty="0">
+            <a:endParaRPr lang="en-SG" sz="788" dirty="0">
               <a:solidFill>
                 <a:schemeClr val="bg1"/>
               </a:solidFill>
@@ -4661,8 +4661,8 @@
         </p:nvSpPr>
         <p:spPr>
           <a:xfrm>
-            <a:off x="2238496" y="2454481"/>
-            <a:ext cx="726243" cy="174580"/>
+            <a:off x="2821873" y="2698111"/>
+            <a:ext cx="544682" cy="130935"/>
           </a:xfrm>
           <a:prstGeom prst="rect">
             <a:avLst/>
@@ -4703,14 +4703,14 @@
           <a:p>
             <a:pPr algn="ctr"/>
             <a:r>
-              <a:rPr lang="en-US" sz="1050" dirty="0">
+              <a:rPr lang="en-US" sz="788" dirty="0">
                 <a:solidFill>
                   <a:schemeClr val="bg1"/>
                 </a:solidFill>
               </a:rPr>
               <a:t>Prefix</a:t>
             </a:r>
-            <a:endParaRPr lang="en-SG" sz="1050" dirty="0">
+            <a:endParaRPr lang="en-SG" sz="788" dirty="0">
               <a:solidFill>
                 <a:schemeClr val="bg1"/>
               </a:solidFill>
@@ -4726,8 +4726,8 @@
         </p:nvSpPr>
         <p:spPr>
           <a:xfrm>
-            <a:off x="3186326" y="2841725"/>
-            <a:ext cx="731636" cy="283820"/>
+            <a:off x="3532745" y="2988544"/>
+            <a:ext cx="548727" cy="212865"/>
           </a:xfrm>
           <a:prstGeom prst="rect">
             <a:avLst/>
@@ -4768,14 +4768,14 @@
           <a:p>
             <a:pPr algn="ctr"/>
             <a:r>
-              <a:rPr lang="en-SG" sz="1050" dirty="0" err="1">
+              <a:rPr lang="en-SG" sz="788" dirty="0" err="1">
                 <a:solidFill>
                   <a:schemeClr val="bg1"/>
                 </a:solidFill>
               </a:rPr>
               <a:t>CliSyntax</a:t>
             </a:r>
-            <a:endParaRPr lang="en-SG" sz="1050" dirty="0">
+            <a:endParaRPr lang="en-SG" sz="788" dirty="0">
               <a:solidFill>
                 <a:schemeClr val="bg1"/>
               </a:solidFill>
@@ -4791,8 +4791,8 @@
         </p:nvSpPr>
         <p:spPr>
           <a:xfrm>
-            <a:off x="3186326" y="3190882"/>
-            <a:ext cx="731636" cy="283820"/>
+            <a:off x="3532745" y="3250412"/>
+            <a:ext cx="548727" cy="212865"/>
           </a:xfrm>
           <a:prstGeom prst="rect">
             <a:avLst/>
@@ -4833,14 +4833,14 @@
           <a:p>
             <a:pPr algn="ctr"/>
             <a:r>
-              <a:rPr lang="en-SG" sz="1050" dirty="0" err="1">
+              <a:rPr lang="en-SG" sz="788" dirty="0" err="1">
                 <a:solidFill>
                   <a:schemeClr val="bg1"/>
                 </a:solidFill>
               </a:rPr>
               <a:t>ParserUtil</a:t>
             </a:r>
-            <a:endParaRPr lang="en-SG" sz="1050" dirty="0">
+            <a:endParaRPr lang="en-SG" sz="788" dirty="0">
               <a:solidFill>
                 <a:schemeClr val="bg1"/>
               </a:solidFill>
@@ -4860,8 +4860,8 @@
         </p:nvCxnSpPr>
         <p:spPr>
           <a:xfrm rot="10800000">
-            <a:off x="2601618" y="2629061"/>
-            <a:ext cx="584708" cy="354574"/>
+            <a:off x="3094214" y="2829046"/>
+            <a:ext cx="438531" cy="265931"/>
           </a:xfrm>
           <a:prstGeom prst="bentConnector2">
             <a:avLst/>
@@ -4906,8 +4906,8 @@
         </p:nvCxnSpPr>
         <p:spPr>
           <a:xfrm rot="10800000" flipV="1">
-            <a:off x="2601618" y="2036175"/>
-            <a:ext cx="572596" cy="418306"/>
+            <a:off x="3094214" y="2384381"/>
+            <a:ext cx="429447" cy="313730"/>
           </a:xfrm>
           <a:prstGeom prst="bentConnector2">
             <a:avLst/>
@@ -4948,8 +4948,8 @@
         </p:nvGrpSpPr>
         <p:grpSpPr>
           <a:xfrm rot="10800000">
-            <a:off x="4687086" y="3784757"/>
-            <a:ext cx="555486" cy="254462"/>
+            <a:off x="4658314" y="3695818"/>
+            <a:ext cx="416615" cy="190847"/>
             <a:chOff x="3703306" y="644022"/>
             <a:chExt cx="555486" cy="230832"/>
           </a:xfrm>
@@ -4977,7 +4977,7 @@
             <a:lstStyle/>
             <a:p>
               <a:r>
-                <a:rPr lang="en-US" sz="1100" dirty="0">
+                <a:rPr lang="en-US" sz="825" dirty="0">
                   <a:solidFill>
                     <a:schemeClr val="accent5">
                       <a:lumMod val="75000"/>
@@ -4986,7 +4986,7 @@
                 </a:rPr>
                 <a:t>creates</a:t>
               </a:r>
-              <a:endParaRPr lang="en-SG" sz="1100" dirty="0">
+              <a:endParaRPr lang="en-SG" sz="825" dirty="0">
                 <a:solidFill>
                   <a:schemeClr val="accent5">
                     <a:lumMod val="75000"/>
@@ -5040,7 +5040,7 @@
             <a:lstStyle/>
             <a:p>
               <a:pPr algn="ctr"/>
-              <a:endParaRPr lang="en-SG"/>
+              <a:endParaRPr lang="en-SG" sz="1350"/>
             </a:p>
           </p:txBody>
         </p:sp>
@@ -5053,8 +5053,8 @@
         </p:nvSpPr>
         <p:spPr>
           <a:xfrm flipV="1">
-            <a:off x="7227643" y="3980475"/>
-            <a:ext cx="270504" cy="175523"/>
+            <a:off x="6563732" y="3842608"/>
+            <a:ext cx="202878" cy="131642"/>
           </a:xfrm>
           <a:prstGeom prst="triangle">
             <a:avLst/>
@@ -5091,7 +5091,7 @@
           <a:lstStyle/>
           <a:p>
             <a:pPr algn="ctr"/>
-            <a:endParaRPr lang="en-SG" sz="1050" b="1">
+            <a:endParaRPr lang="en-SG" sz="788" b="1">
               <a:solidFill>
                 <a:srgbClr val="92D050"/>
               </a:solidFill>
@@ -5110,8 +5110,8 @@
         </p:nvCxnSpPr>
         <p:spPr>
           <a:xfrm rot="5400000" flipH="1" flipV="1">
-            <a:off x="6916385" y="3533423"/>
-            <a:ext cx="893563" cy="542"/>
+            <a:off x="6330290" y="3507317"/>
+            <a:ext cx="670172" cy="407"/>
           </a:xfrm>
           <a:prstGeom prst="bentConnector3">
             <a:avLst>
@@ -5150,8 +5150,8 @@
         </p:nvCxnSpPr>
         <p:spPr>
           <a:xfrm flipV="1">
-            <a:off x="6066328" y="2913532"/>
-            <a:ext cx="811946" cy="659"/>
+            <a:off x="5692746" y="3042400"/>
+            <a:ext cx="608960" cy="494"/>
           </a:xfrm>
           <a:prstGeom prst="bentConnector3">
             <a:avLst>
@@ -5193,8 +5193,8 @@
         </p:nvSpPr>
         <p:spPr>
           <a:xfrm>
-            <a:off x="3174214" y="2370131"/>
-            <a:ext cx="750156" cy="340758"/>
+            <a:off x="3523661" y="2634848"/>
+            <a:ext cx="562617" cy="255569"/>
           </a:xfrm>
           <a:prstGeom prst="rect">
             <a:avLst/>
@@ -5235,7 +5235,7 @@
           <a:p>
             <a:pPr algn="ctr"/>
             <a:r>
-              <a:rPr lang="en-SG" sz="1050" dirty="0">
+              <a:rPr lang="en-SG" sz="788" dirty="0">
                 <a:solidFill>
                   <a:schemeClr val="bg1"/>
                 </a:solidFill>
@@ -5243,14 +5243,14 @@
               <a:t>Argument</a:t>
             </a:r>
             <a:br>
-              <a:rPr lang="en-SG" sz="1050" dirty="0">
+              <a:rPr lang="en-SG" sz="788" dirty="0">
                 <a:solidFill>
                   <a:schemeClr val="bg1"/>
                 </a:solidFill>
               </a:rPr>
             </a:br>
             <a:r>
-              <a:rPr lang="en-SG" sz="1050" dirty="0">
+              <a:rPr lang="en-SG" sz="788" dirty="0">
                 <a:solidFill>
                   <a:schemeClr val="bg1"/>
                 </a:solidFill>
@@ -5272,8 +5272,8 @@
         </p:nvCxnSpPr>
         <p:spPr>
           <a:xfrm rot="10800000" flipV="1">
-            <a:off x="2964740" y="2540509"/>
-            <a:ext cx="209475" cy="1261"/>
+            <a:off x="3366556" y="2762633"/>
+            <a:ext cx="157106" cy="946"/>
           </a:xfrm>
           <a:prstGeom prst="bentConnector3">
             <a:avLst>
@@ -5320,8 +5320,8 @@
         </p:nvCxnSpPr>
         <p:spPr>
           <a:xfrm rot="5400000">
-            <a:off x="3469242" y="2289605"/>
-            <a:ext cx="160576" cy="476"/>
+            <a:off x="3744932" y="2574454"/>
+            <a:ext cx="120432" cy="357"/>
           </a:xfrm>
           <a:prstGeom prst="bentConnector3">
             <a:avLst>
@@ -5364,8 +5364,8 @@
         </p:nvSpPr>
         <p:spPr>
           <a:xfrm>
-            <a:off x="1295065" y="4183424"/>
-            <a:ext cx="805984" cy="346760"/>
+            <a:off x="2114299" y="3994818"/>
+            <a:ext cx="604488" cy="260070"/>
           </a:xfrm>
           <a:prstGeom prst="rect">
             <a:avLst/>
@@ -5400,7 +5400,7 @@
           <a:p>
             <a:pPr algn="ctr"/>
             <a:r>
-              <a:rPr lang="en-US" sz="1050">
+              <a:rPr lang="en-US" sz="788" dirty="0">
                 <a:solidFill>
                   <a:schemeClr val="bg1"/>
                 </a:solidFill>
@@ -5411,14 +5411,14 @@
           <a:p>
             <a:pPr algn="ctr"/>
             <a:r>
-              <a:rPr lang="en-US" sz="1050" dirty="0">
+              <a:rPr lang="en-US" sz="788" dirty="0">
                 <a:solidFill>
                   <a:schemeClr val="bg1"/>
                 </a:solidFill>
               </a:rPr>
               <a:t>History</a:t>
             </a:r>
-            <a:endParaRPr lang="en-SG" sz="1050" dirty="0">
+            <a:endParaRPr lang="en-SG" sz="788" dirty="0">
               <a:solidFill>
                 <a:schemeClr val="bg1"/>
               </a:solidFill>
@@ -5434,8 +5434,8 @@
         </p:nvCxnSpPr>
         <p:spPr>
           <a:xfrm>
-            <a:off x="1971157" y="3939492"/>
-            <a:ext cx="2022" cy="240622"/>
+            <a:off x="2621368" y="3811869"/>
+            <a:ext cx="1517" cy="180467"/>
           </a:xfrm>
           <a:prstGeom prst="straightConnector1">
             <a:avLst/>
@@ -5472,8 +5472,8 @@
         </p:nvSpPr>
         <p:spPr>
           <a:xfrm>
-            <a:off x="1773980" y="4000395"/>
-            <a:ext cx="131116" cy="230832"/>
+            <a:off x="2473485" y="3857546"/>
+            <a:ext cx="98337" cy="173124"/>
           </a:xfrm>
           <a:prstGeom prst="rect">
             <a:avLst/>
@@ -5488,14 +5488,14 @@
           <a:p>
             <a:pPr algn="r"/>
             <a:r>
-              <a:rPr lang="en-US" sz="1100" dirty="0">
+              <a:rPr lang="en-US" sz="825" dirty="0">
                 <a:solidFill>
                   <a:srgbClr val="0070C0"/>
                 </a:solidFill>
               </a:rPr>
               <a:t>1</a:t>
             </a:r>
-            <a:endParaRPr lang="en-SG" sz="1100" dirty="0">
+            <a:endParaRPr lang="en-SG" sz="825" dirty="0">
               <a:solidFill>
                 <a:srgbClr val="0070C0"/>
               </a:solidFill>
@@ -5517,8 +5517,8 @@
         </p:nvSpPr>
         <p:spPr>
           <a:xfrm flipH="1">
-            <a:off x="5067626" y="1981200"/>
-            <a:ext cx="998702" cy="346760"/>
+            <a:off x="4943719" y="2343150"/>
+            <a:ext cx="749027" cy="260070"/>
           </a:xfrm>
           <a:prstGeom prst="rect">
             <a:avLst/>
@@ -5549,7 +5549,7 @@
           <a:p>
             <a:pPr algn="ctr"/>
             <a:r>
-              <a:rPr lang="en-US" sz="1050" b="1" dirty="0">
+              <a:rPr lang="en-US" sz="788" b="1" dirty="0">
                 <a:solidFill>
                   <a:schemeClr val="bg1"/>
                 </a:solidFill>
@@ -5560,14 +5560,14 @@
           <a:p>
             <a:pPr algn="ctr"/>
             <a:r>
-              <a:rPr lang="en-US" sz="1050" b="1" dirty="0">
+              <a:rPr lang="en-US" sz="788" b="1" dirty="0">
                 <a:solidFill>
                   <a:schemeClr val="bg1"/>
                 </a:solidFill>
               </a:rPr>
               <a:t>Parser</a:t>
             </a:r>
-            <a:endParaRPr lang="en-SG" sz="1050" b="1" dirty="0">
+            <a:endParaRPr lang="en-SG" sz="788" b="1" dirty="0">
               <a:solidFill>
                 <a:schemeClr val="bg1"/>
               </a:solidFill>
@@ -5583,8 +5583,8 @@
         </p:nvSpPr>
         <p:spPr>
           <a:xfrm flipH="1">
-            <a:off x="5431725" y="2327960"/>
-            <a:ext cx="270504" cy="175523"/>
+            <a:off x="5216794" y="2603221"/>
+            <a:ext cx="202878" cy="131642"/>
           </a:xfrm>
           <a:prstGeom prst="triangle">
             <a:avLst/>
@@ -5612,7 +5612,7 @@
           <a:lstStyle/>
           <a:p>
             <a:pPr algn="ctr"/>
-            <a:endParaRPr lang="en-SG" sz="1050" b="1">
+            <a:endParaRPr lang="en-SG" sz="788" b="1">
               <a:solidFill>
                 <a:srgbClr val="92D050"/>
               </a:solidFill>
@@ -5628,8 +5628,8 @@
         </p:nvGrpSpPr>
         <p:grpSpPr>
           <a:xfrm rot="5400000">
-            <a:off x="6371505" y="2788428"/>
-            <a:ext cx="222304" cy="598286"/>
+            <a:off x="5921629" y="2948571"/>
+            <a:ext cx="166728" cy="448715"/>
             <a:chOff x="3965759" y="592436"/>
             <a:chExt cx="254462" cy="503902"/>
           </a:xfrm>
@@ -5657,7 +5657,7 @@
             <a:lstStyle/>
             <a:p>
               <a:r>
-                <a:rPr lang="en-US" sz="1100" dirty="0">
+                <a:rPr lang="en-US" sz="825" dirty="0">
                   <a:solidFill>
                     <a:schemeClr val="accent5">
                       <a:lumMod val="75000"/>
@@ -5666,7 +5666,7 @@
                 </a:rPr>
                 <a:t>creates</a:t>
               </a:r>
-              <a:endParaRPr lang="en-SG" sz="1100" dirty="0">
+              <a:endParaRPr lang="en-SG" sz="825" dirty="0">
                 <a:solidFill>
                   <a:schemeClr val="accent5">
                     <a:lumMod val="75000"/>
@@ -5720,7 +5720,7 @@
             <a:lstStyle/>
             <a:p>
               <a:pPr algn="ctr"/>
-              <a:endParaRPr lang="en-SG"/>
+              <a:endParaRPr lang="en-SG" sz="1350"/>
             </a:p>
           </p:txBody>
         </p:sp>
@@ -5733,8 +5733,8 @@
         </p:nvCxnSpPr>
         <p:spPr>
           <a:xfrm>
-            <a:off x="2893971" y="3687139"/>
-            <a:ext cx="361447" cy="0"/>
+            <a:off x="3313480" y="3622604"/>
+            <a:ext cx="271085" cy="0"/>
           </a:xfrm>
           <a:prstGeom prst="line">
             <a:avLst/>
@@ -5772,8 +5772,8 @@
         </p:nvSpPr>
         <p:spPr>
           <a:xfrm flipH="1">
-            <a:off x="5074342" y="2740811"/>
-            <a:ext cx="991986" cy="346760"/>
+            <a:off x="4948756" y="2912858"/>
+            <a:ext cx="743990" cy="260070"/>
           </a:xfrm>
           <a:prstGeom prst="rect">
             <a:avLst/>
@@ -5806,14 +5806,14 @@
           <a:p>
             <a:pPr algn="ctr"/>
             <a:r>
-              <a:rPr lang="en-US" sz="1050" b="1" dirty="0" err="1">
+              <a:rPr lang="en-US" sz="788" b="1" dirty="0" err="1">
                 <a:solidFill>
                   <a:schemeClr val="bg1"/>
                 </a:solidFill>
               </a:rPr>
               <a:t>XYZCommand</a:t>
             </a:r>
-            <a:endParaRPr lang="en-US" sz="1050" b="1" dirty="0">
+            <a:endParaRPr lang="en-US" sz="788" b="1" dirty="0">
               <a:solidFill>
                 <a:schemeClr val="bg1"/>
               </a:solidFill>
@@ -5822,14 +5822,14 @@
           <a:p>
             <a:pPr algn="ctr"/>
             <a:r>
-              <a:rPr lang="en-US" sz="1050" b="1" dirty="0">
+              <a:rPr lang="en-US" sz="788" b="1" dirty="0">
                 <a:solidFill>
                   <a:schemeClr val="bg1"/>
                 </a:solidFill>
               </a:rPr>
               <a:t>Parser</a:t>
             </a:r>
-            <a:endParaRPr lang="en-SG" sz="1050" b="1" dirty="0">
+            <a:endParaRPr lang="en-SG" sz="788" b="1" dirty="0">
               <a:solidFill>
                 <a:schemeClr val="bg1"/>
               </a:solidFill>
@@ -5848,8 +5848,8 @@
         </p:nvCxnSpPr>
         <p:spPr>
           <a:xfrm rot="10800000">
-            <a:off x="3917734" y="2058661"/>
-            <a:ext cx="1156608" cy="855530"/>
+            <a:off x="4081301" y="2401246"/>
+            <a:ext cx="867456" cy="641648"/>
           </a:xfrm>
           <a:prstGeom prst="bentConnector3">
             <a:avLst>
@@ -5895,8 +5895,8 @@
         </p:nvCxnSpPr>
         <p:spPr>
           <a:xfrm rot="10800000">
-            <a:off x="3921964" y="2540511"/>
-            <a:ext cx="1152379" cy="373681"/>
+            <a:off x="4084474" y="2762634"/>
+            <a:ext cx="864284" cy="280261"/>
           </a:xfrm>
           <a:prstGeom prst="bentConnector3">
             <a:avLst>
@@ -5942,8 +5942,8 @@
         </p:nvCxnSpPr>
         <p:spPr>
           <a:xfrm rot="10800000" flipV="1">
-            <a:off x="3926192" y="2914191"/>
-            <a:ext cx="1148150" cy="108168"/>
+            <a:off x="4087644" y="3042893"/>
+            <a:ext cx="861113" cy="81126"/>
           </a:xfrm>
           <a:prstGeom prst="bentConnector3">
             <a:avLst>
@@ -5989,8 +5989,8 @@
         </p:nvCxnSpPr>
         <p:spPr>
           <a:xfrm rot="10800000" flipV="1">
-            <a:off x="3930422" y="2914191"/>
-            <a:ext cx="1143921" cy="439870"/>
+            <a:off x="4090818" y="3042893"/>
+            <a:ext cx="857941" cy="329903"/>
           </a:xfrm>
           <a:prstGeom prst="bentConnector3">
             <a:avLst>
@@ -6036,8 +6036,8 @@
         </p:nvCxnSpPr>
         <p:spPr>
           <a:xfrm flipV="1">
-            <a:off x="4300741" y="3087571"/>
-            <a:ext cx="1269594" cy="659673"/>
+            <a:off x="4368556" y="3172929"/>
+            <a:ext cx="952196" cy="494755"/>
           </a:xfrm>
           <a:prstGeom prst="bentConnector2">
             <a:avLst/>
@@ -6079,8 +6079,8 @@
         </p:nvCxnSpPr>
         <p:spPr>
           <a:xfrm rot="16200000" flipH="1">
-            <a:off x="5451193" y="2621669"/>
-            <a:ext cx="234926" cy="3358"/>
+            <a:off x="5231395" y="2823502"/>
+            <a:ext cx="176195" cy="2519"/>
           </a:xfrm>
           <a:prstGeom prst="bentConnector3">
             <a:avLst/>
@@ -6117,11 +6117,13 @@
         </p:nvSpPr>
         <p:spPr>
           <a:xfrm>
-            <a:off x="6263130" y="1981200"/>
-            <a:ext cx="1276614" cy="630473"/>
+            <a:off x="5742004" y="2070160"/>
+            <a:ext cx="1163424" cy="758886"/>
           </a:xfrm>
           <a:prstGeom prst="foldedCorner">
-            <a:avLst/>
+            <a:avLst>
+              <a:gd name="adj" fmla="val 0"/>
+            </a:avLst>
           </a:prstGeom>
           <a:solidFill>
             <a:schemeClr val="accent5">
@@ -6156,7 +6158,7 @@
           <a:p>
             <a:pPr algn="ctr"/>
             <a:r>
-              <a:rPr lang="en-US" sz="1050" dirty="0" err="1">
+              <a:rPr lang="en-US" sz="788" dirty="0" err="1">
                 <a:solidFill>
                   <a:schemeClr val="bg1"/>
                 </a:solidFill>
@@ -6164,7 +6166,7 @@
               <a:t>XYZCommand</a:t>
             </a:r>
             <a:r>
-              <a:rPr lang="en-US" sz="1050" dirty="0">
+              <a:rPr lang="en-US" sz="788" dirty="0">
                 <a:solidFill>
                   <a:schemeClr val="bg1"/>
                 </a:solidFill>
@@ -6172,7 +6174,7 @@
               <a:t> = </a:t>
             </a:r>
             <a:r>
-              <a:rPr lang="en-US" sz="1050" dirty="0" err="1">
+              <a:rPr lang="en-US" sz="788" dirty="0" err="1">
                 <a:solidFill>
                   <a:schemeClr val="bg1"/>
                 </a:solidFill>
@@ -6180,7 +6182,7 @@
               <a:t>AddCommand</a:t>
             </a:r>
             <a:r>
-              <a:rPr lang="en-US" sz="1050" dirty="0">
+              <a:rPr lang="en-US" sz="788" dirty="0">
                 <a:solidFill>
                   <a:schemeClr val="bg1"/>
                 </a:solidFill>
@@ -6188,7 +6190,7 @@
               <a:t>, </a:t>
             </a:r>
             <a:r>
-              <a:rPr lang="en-US" sz="1050" dirty="0" err="1">
+              <a:rPr lang="en-US" sz="788" dirty="0" err="1">
                 <a:solidFill>
                   <a:schemeClr val="bg1"/>
                 </a:solidFill>
@@ -6196,12 +6198,44 @@
               <a:t>FindCommand</a:t>
             </a:r>
             <a:r>
-              <a:rPr lang="en-US" sz="1050" dirty="0">
+              <a:rPr lang="en-US" sz="788" dirty="0">
                 <a:solidFill>
                   <a:schemeClr val="bg1"/>
                 </a:solidFill>
               </a:rPr>
-              <a:t>, etc.</a:t>
+              <a:t>, </a:t>
+            </a:r>
+            <a:r>
+              <a:rPr lang="en-US" sz="788" dirty="0" err="1">
+                <a:solidFill>
+                  <a:schemeClr val="bg1"/>
+                </a:solidFill>
+              </a:rPr>
+              <a:t>AddAccountCommand</a:t>
+            </a:r>
+            <a:r>
+              <a:rPr lang="en-US" sz="788" dirty="0">
+                <a:solidFill>
+                  <a:schemeClr val="bg1"/>
+                </a:solidFill>
+              </a:rPr>
+              <a:t>, </a:t>
+            </a:r>
+            <a:r>
+              <a:rPr lang="en-US" sz="788" dirty="0" err="1">
+                <a:solidFill>
+                  <a:schemeClr val="bg1"/>
+                </a:solidFill>
+              </a:rPr>
+              <a:t>BorrowCommand</a:t>
+            </a:r>
+            <a:r>
+              <a:rPr lang="en-US" sz="788" dirty="0">
+                <a:solidFill>
+                  <a:schemeClr val="bg1"/>
+                </a:solidFill>
+              </a:rPr>
+              <a:t> etc.</a:t>
             </a:r>
           </a:p>
         </p:txBody>
@@ -6214,8 +6248,8 @@
         </p:nvSpPr>
         <p:spPr>
           <a:xfrm>
-            <a:off x="2334221" y="3058789"/>
-            <a:ext cx="758695" cy="346760"/>
+            <a:off x="2893667" y="3151342"/>
+            <a:ext cx="569021" cy="260070"/>
           </a:xfrm>
           <a:prstGeom prst="rect">
             <a:avLst/>
@@ -6250,14 +6284,14 @@
           <a:p>
             <a:pPr algn="ctr"/>
             <a:r>
-              <a:rPr lang="en-US" sz="1050" dirty="0" err="1">
+              <a:rPr lang="en-US" sz="788" dirty="0" err="1">
                 <a:solidFill>
                   <a:schemeClr val="bg1"/>
                 </a:solidFill>
               </a:rPr>
               <a:t>UndoRedo</a:t>
             </a:r>
-            <a:endParaRPr lang="en-US" sz="1050" dirty="0">
+            <a:endParaRPr lang="en-US" sz="788" dirty="0">
               <a:solidFill>
                 <a:schemeClr val="bg1"/>
               </a:solidFill>
@@ -6266,14 +6300,14 @@
           <a:p>
             <a:pPr algn="ctr"/>
             <a:r>
-              <a:rPr lang="en-US" sz="1050" dirty="0">
+              <a:rPr lang="en-US" sz="788" dirty="0">
                 <a:solidFill>
                   <a:schemeClr val="bg1"/>
                 </a:solidFill>
               </a:rPr>
               <a:t>Stack</a:t>
             </a:r>
-            <a:endParaRPr lang="en-SG" sz="1050" dirty="0">
+            <a:endParaRPr lang="en-SG" sz="788" dirty="0">
               <a:solidFill>
                 <a:schemeClr val="bg1"/>
               </a:solidFill>
@@ -6291,8 +6325,8 @@
         </p:nvCxnSpPr>
         <p:spPr>
           <a:xfrm flipV="1">
-            <a:off x="2713568" y="3405549"/>
-            <a:ext cx="1" cy="177981"/>
+            <a:off x="3178177" y="3411413"/>
+            <a:ext cx="1" cy="133486"/>
           </a:xfrm>
           <a:prstGeom prst="straightConnector1">
             <a:avLst/>
@@ -6329,8 +6363,8 @@
         </p:nvSpPr>
         <p:spPr>
           <a:xfrm>
-            <a:off x="2724741" y="3418256"/>
-            <a:ext cx="131116" cy="230832"/>
+            <a:off x="3186556" y="3420942"/>
+            <a:ext cx="98337" cy="173124"/>
           </a:xfrm>
           <a:prstGeom prst="rect">
             <a:avLst/>
@@ -6345,14 +6379,14 @@
           <a:p>
             <a:pPr algn="r"/>
             <a:r>
-              <a:rPr lang="en-US" sz="1100" dirty="0">
+              <a:rPr lang="en-US" sz="825" dirty="0">
                 <a:solidFill>
                   <a:srgbClr val="0070C0"/>
                 </a:solidFill>
               </a:rPr>
               <a:t>1</a:t>
             </a:r>
-            <a:endParaRPr lang="en-SG" sz="1100" dirty="0">
+            <a:endParaRPr lang="en-SG" sz="825" dirty="0">
               <a:solidFill>
                 <a:srgbClr val="0070C0"/>
               </a:solidFill>
@@ -6363,7 +6397,7 @@
     </p:spTree>
     <p:extLst>
       <p:ext uri="{BB962C8B-B14F-4D97-AF65-F5344CB8AC3E}">
-        <p14:creationId xmlns:p14="http://schemas.microsoft.com/office/powerpoint/2010/main" val="211586602"/>
+        <p14:creationId xmlns:p14="http://schemas.microsoft.com/office/powerpoint/2010/main" val="1634471041"/>
       </p:ext>
     </p:extLst>
   </p:cSld>
